--- a/lib/Gestor_de_ANS.pptx
+++ b/lib/Gestor_de_ANS.pptx
@@ -5,21 +5,24 @@
     <p:sldMasterId id="2147483746" r:id="rId1"/>
   </p:sldMasterIdLst>
   <p:notesMasterIdLst>
-    <p:notesMasterId r:id="rId11"/>
+    <p:notesMasterId r:id="rId14"/>
   </p:notesMasterIdLst>
   <p:handoutMasterIdLst>
-    <p:handoutMasterId r:id="rId12"/>
+    <p:handoutMasterId r:id="rId15"/>
   </p:handoutMasterIdLst>
   <p:sldIdLst>
     <p:sldId id="257" r:id="rId2"/>
-    <p:sldId id="258" r:id="rId3"/>
-    <p:sldId id="259" r:id="rId4"/>
-    <p:sldId id="260" r:id="rId5"/>
-    <p:sldId id="261" r:id="rId6"/>
-    <p:sldId id="262" r:id="rId7"/>
-    <p:sldId id="263" r:id="rId8"/>
-    <p:sldId id="264" r:id="rId9"/>
-    <p:sldId id="265" r:id="rId10"/>
+    <p:sldId id="259" r:id="rId3"/>
+    <p:sldId id="260" r:id="rId4"/>
+    <p:sldId id="261" r:id="rId5"/>
+    <p:sldId id="262" r:id="rId6"/>
+    <p:sldId id="269" r:id="rId7"/>
+    <p:sldId id="268" r:id="rId8"/>
+    <p:sldId id="267" r:id="rId9"/>
+    <p:sldId id="266" r:id="rId10"/>
+    <p:sldId id="263" r:id="rId11"/>
+    <p:sldId id="264" r:id="rId12"/>
+    <p:sldId id="265" r:id="rId13"/>
   </p:sldIdLst>
   <p:sldSz cx="12192000" cy="6858000"/>
   <p:notesSz cx="6858000" cy="9144000"/>
@@ -4632,17 +4635,9 @@
 </p:sld>
 </file>
 
-<file path=ppt/slides/slide2.xml><?xml version="1.0" encoding="utf-8"?>
+<file path=ppt/slides/slide10.xml><?xml version="1.0" encoding="utf-8"?>
 <p:sld xmlns:a="http://schemas.openxmlformats.org/drawingml/2006/main" xmlns:r="http://schemas.openxmlformats.org/officeDocument/2006/relationships" xmlns:p="http://schemas.openxmlformats.org/presentationml/2006/main">
   <p:cSld>
-    <p:bg>
-      <p:bgPr>
-        <a:solidFill>
-          <a:schemeClr val="bg1"/>
-        </a:solidFill>
-        <a:effectLst/>
-      </p:bgPr>
-    </p:bg>
     <p:spTree>
       <p:nvGrpSpPr>
         <p:cNvPr id="1" name=""/>
@@ -4659,73 +4654,152 @@
       </p:grpSpPr>
       <p:sp>
         <p:nvSpPr>
-          <p:cNvPr id="47" name="Retângulo 46">
+          <p:cNvPr id="2" name="Título 1">
             <a:extLst>
               <a:ext uri="{FF2B5EF4-FFF2-40B4-BE49-F238E27FC236}">
-                <a16:creationId xmlns:a16="http://schemas.microsoft.com/office/drawing/2014/main" id="{FBDCECDC-EEE3-4128-AA5E-82A8C08796E8}"/>
-              </a:ext>
-              <a:ext uri="{C183D7F6-B498-43B3-948B-1728B52AA6E4}">
-                <adec:decorative xmlns:adec="http://schemas.microsoft.com/office/drawing/2017/decorative" val="1"/>
+                <a16:creationId xmlns:a16="http://schemas.microsoft.com/office/drawing/2014/main" id="{3DA6D437-0714-A6E8-ADF9-A1ABB8ED2DCB}"/>
               </a:ext>
             </a:extLst>
           </p:cNvPr>
           <p:cNvSpPr>
-            <a:spLocks noGrp="1" noRot="1" noChangeAspect="1" noMove="1" noResize="1" noEditPoints="1" noAdjustHandles="1" noChangeArrowheads="1" noChangeShapeType="1" noTextEdit="1"/>
-          </p:cNvSpPr>
-          <p:nvPr>
-            <p:extLst>
-              <p:ext uri="{386F3935-93C4-4BCD-93E2-E3B085C9AB24}">
-                <p16:designElem xmlns:p16="http://schemas.microsoft.com/office/powerpoint/2015/main" val="1"/>
-              </p:ext>
-            </p:extLst>
-          </p:nvPr>
-        </p:nvSpPr>
-        <p:spPr>
-          <a:xfrm>
-            <a:off x="1507" y="0"/>
-            <a:ext cx="12192000" cy="6858000"/>
-          </a:xfrm>
-          <a:prstGeom prst="rect">
-            <a:avLst/>
-          </a:prstGeom>
-          <a:solidFill>
-            <a:schemeClr val="accent1"/>
-          </a:solidFill>
-          <a:ln>
-            <a:noFill/>
-          </a:ln>
-        </p:spPr>
-        <p:style>
-          <a:lnRef idx="2">
-            <a:schemeClr val="accent1">
-              <a:shade val="50000"/>
-            </a:schemeClr>
-          </a:lnRef>
-          <a:fillRef idx="1">
-            <a:schemeClr val="accent1"/>
-          </a:fillRef>
-          <a:effectRef idx="0">
-            <a:schemeClr val="accent1"/>
-          </a:effectRef>
-          <a:fontRef idx="minor">
-            <a:schemeClr val="lt1"/>
-          </a:fontRef>
-        </p:style>
-        <p:txBody>
-          <a:bodyPr rtlCol="0" anchor="ctr"/>
+            <a:spLocks noGrp="1"/>
+          </p:cNvSpPr>
+          <p:nvPr>
+            <p:ph type="title"/>
+          </p:nvPr>
+        </p:nvSpPr>
+        <p:spPr/>
+        <p:txBody>
+          <a:bodyPr/>
           <a:lstStyle/>
           <a:p>
-            <a:pPr algn="ctr" rtl="0"/>
-            <a:endParaRPr lang="en-US"/>
-          </a:p>
-        </p:txBody>
-      </p:sp>
+            <a:r>
+              <a:rPr lang="pt-BR" dirty="0"/>
+              <a:t>Desafios e melhorias</a:t>
+            </a:r>
+          </a:p>
+        </p:txBody>
+      </p:sp>
+      <p:sp>
+        <p:nvSpPr>
+          <p:cNvPr id="3" name="Espaço Reservado para Conteúdo 2">
+            <a:extLst>
+              <a:ext uri="{FF2B5EF4-FFF2-40B4-BE49-F238E27FC236}">
+                <a16:creationId xmlns:a16="http://schemas.microsoft.com/office/drawing/2014/main" id="{06C72539-1A27-E44A-530B-478FB4B21018}"/>
+              </a:ext>
+            </a:extLst>
+          </p:cNvPr>
+          <p:cNvSpPr>
+            <a:spLocks noGrp="1"/>
+          </p:cNvSpPr>
+          <p:nvPr>
+            <p:ph idx="1"/>
+          </p:nvPr>
+        </p:nvSpPr>
+        <p:spPr/>
+        <p:txBody>
+          <a:bodyPr/>
+          <a:lstStyle/>
+          <a:p>
+            <a:endParaRPr lang="pt-BR" dirty="0"/>
+          </a:p>
+          <a:p>
+            <a:pPr lvl="1"/>
+            <a:r>
+              <a:rPr lang="pt-BR" sz="2400" dirty="0"/>
+              <a:t>O banco tem contrato com a Microsoft como fornecedora de tecnologia;</a:t>
+            </a:r>
+          </a:p>
+          <a:p>
+            <a:pPr lvl="1"/>
+            <a:r>
+              <a:rPr lang="pt-BR" sz="2400" dirty="0"/>
+              <a:t>As diferenças peculiares entre MySQL e MSSQL;</a:t>
+            </a:r>
+          </a:p>
+          <a:p>
+            <a:pPr lvl="1"/>
+            <a:r>
+              <a:rPr lang="pt-BR" sz="2400" dirty="0"/>
+              <a:t>A utilização de API prontas para captura e carga de dados;</a:t>
+            </a:r>
+          </a:p>
+          <a:p>
+            <a:pPr lvl="1"/>
+            <a:endParaRPr lang="pt-BR" sz="2400" dirty="0"/>
+          </a:p>
+          <a:p>
+            <a:pPr lvl="1"/>
+            <a:endParaRPr lang="pt-BR" dirty="0"/>
+          </a:p>
+        </p:txBody>
+      </p:sp>
+      <p:sp>
+        <p:nvSpPr>
+          <p:cNvPr id="4" name="Espaço Reservado para Data 3">
+            <a:extLst>
+              <a:ext uri="{FF2B5EF4-FFF2-40B4-BE49-F238E27FC236}">
+                <a16:creationId xmlns:a16="http://schemas.microsoft.com/office/drawing/2014/main" id="{C89F2C0A-5184-DFCA-C6EF-933917272F0B}"/>
+              </a:ext>
+            </a:extLst>
+          </p:cNvPr>
+          <p:cNvSpPr>
+            <a:spLocks noGrp="1"/>
+          </p:cNvSpPr>
+          <p:nvPr>
+            <p:ph type="dt" sz="half" idx="10"/>
+          </p:nvPr>
+        </p:nvSpPr>
+        <p:spPr/>
+        <p:txBody>
+          <a:bodyPr/>
+          <a:lstStyle/>
+          <a:p>
+            <a:pPr rtl="0"/>
+            <a:fld id="{623252B5-F3E6-4058-A723-196087E9E541}" type="datetime1">
+              <a:rPr lang="pt-BR" smtClean="0"/>
+              <a:t>27/09/2023</a:t>
+            </a:fld>
+            <a:endParaRPr lang="en-US" dirty="0"/>
+          </a:p>
+        </p:txBody>
+      </p:sp>
+    </p:spTree>
+    <p:extLst>
+      <p:ext uri="{BB962C8B-B14F-4D97-AF65-F5344CB8AC3E}">
+        <p14:creationId xmlns:p14="http://schemas.microsoft.com/office/powerpoint/2010/main" val="1499646247"/>
+      </p:ext>
+    </p:extLst>
+  </p:cSld>
+  <p:clrMapOvr>
+    <a:masterClrMapping/>
+  </p:clrMapOvr>
+</p:sld>
+</file>
+
+<file path=ppt/slides/slide11.xml><?xml version="1.0" encoding="utf-8"?>
+<p:sld xmlns:a="http://schemas.openxmlformats.org/drawingml/2006/main" xmlns:r="http://schemas.openxmlformats.org/officeDocument/2006/relationships" xmlns:p="http://schemas.openxmlformats.org/presentationml/2006/main">
+  <p:cSld>
+    <p:spTree>
+      <p:nvGrpSpPr>
+        <p:cNvPr id="1" name=""/>
+        <p:cNvGrpSpPr/>
+        <p:nvPr/>
+      </p:nvGrpSpPr>
+      <p:grpSpPr>
+        <a:xfrm>
+          <a:off x="0" y="0"/>
+          <a:ext cx="0" cy="0"/>
+          <a:chOff x="0" y="0"/>
+          <a:chExt cx="0" cy="0"/>
+        </a:xfrm>
+      </p:grpSpPr>
       <p:sp>
         <p:nvSpPr>
           <p:cNvPr id="2" name="Título 1">
             <a:extLst>
               <a:ext uri="{FF2B5EF4-FFF2-40B4-BE49-F238E27FC236}">
-                <a16:creationId xmlns:a16="http://schemas.microsoft.com/office/drawing/2014/main" id="{9AB2EA78-AEB3-469B-9025-3B17201A457B}"/>
+                <a16:creationId xmlns:a16="http://schemas.microsoft.com/office/drawing/2014/main" id="{3DA6D437-0714-A6E8-ADF9-A1ABB8ED2DCB}"/>
               </a:ext>
             </a:extLst>
           </p:cNvPr>
@@ -4733,101 +4807,73 @@
             <a:spLocks noGrp="1"/>
           </p:cNvSpPr>
           <p:nvPr>
-            <p:ph type="ctrTitle"/>
-          </p:nvPr>
-        </p:nvSpPr>
-        <p:spPr>
-          <a:xfrm>
-            <a:off x="1097280" y="758952"/>
-            <a:ext cx="10058400" cy="3892168"/>
-          </a:xfrm>
-        </p:spPr>
-        <p:txBody>
-          <a:bodyPr rtlCol="0" anchor="ctr">
-            <a:normAutofit/>
-          </a:bodyPr>
+            <p:ph type="title"/>
+          </p:nvPr>
+        </p:nvSpPr>
+        <p:spPr/>
+        <p:txBody>
+          <a:bodyPr/>
           <a:lstStyle/>
           <a:p>
-            <a:pPr lvl="0" rtl="0"/>
-            <a:r>
-              <a:rPr lang="pt-br" sz="4800" i="1">
-                <a:solidFill>
-                  <a:srgbClr val="FFFFFF"/>
-                </a:solidFill>
-              </a:rPr>
-              <a:t>Sua melhor citação que reflete sua abordagem... "É uma pequena etapa para o homem, um salto gigante para a humanidade."</a:t>
-            </a:r>
-          </a:p>
-        </p:txBody>
-      </p:sp>
-      <p:sp>
-        <p:nvSpPr>
-          <p:cNvPr id="49" name="Retângulo 48">
+            <a:r>
+              <a:rPr lang="pt-BR" dirty="0"/>
+              <a:t>Pontos positivos </a:t>
+            </a:r>
+          </a:p>
+        </p:txBody>
+      </p:sp>
+      <p:sp>
+        <p:nvSpPr>
+          <p:cNvPr id="3" name="Espaço Reservado para Conteúdo 2">
             <a:extLst>
               <a:ext uri="{FF2B5EF4-FFF2-40B4-BE49-F238E27FC236}">
-                <a16:creationId xmlns:a16="http://schemas.microsoft.com/office/drawing/2014/main" id="{4260EDE0-989C-4E16-AF94-F652294D828E}"/>
-              </a:ext>
-              <a:ext uri="{C183D7F6-B498-43B3-948B-1728B52AA6E4}">
-                <adec:decorative xmlns:adec="http://schemas.microsoft.com/office/drawing/2017/decorative" val="1"/>
+                <a16:creationId xmlns:a16="http://schemas.microsoft.com/office/drawing/2014/main" id="{06C72539-1A27-E44A-530B-478FB4B21018}"/>
               </a:ext>
             </a:extLst>
           </p:cNvPr>
           <p:cNvSpPr>
-            <a:spLocks noGrp="1" noRot="1" noChangeAspect="1" noMove="1" noResize="1" noEditPoints="1" noAdjustHandles="1" noChangeArrowheads="1" noChangeShapeType="1" noTextEdit="1"/>
-          </p:cNvSpPr>
-          <p:nvPr>
-            <p:extLst>
-              <p:ext uri="{386F3935-93C4-4BCD-93E2-E3B085C9AB24}">
-                <p16:designElem xmlns:p16="http://schemas.microsoft.com/office/powerpoint/2015/main" val="1"/>
-              </p:ext>
-            </p:extLst>
-          </p:nvPr>
-        </p:nvSpPr>
-        <p:spPr bwMode="white">
-          <a:xfrm>
-            <a:off x="1507" y="4953000"/>
-            <a:ext cx="12188952" cy="1905000"/>
-          </a:xfrm>
-          <a:prstGeom prst="rect">
-            <a:avLst/>
-          </a:prstGeom>
-          <a:solidFill>
-            <a:srgbClr val="262626"/>
-          </a:solidFill>
-          <a:ln>
-            <a:noFill/>
-          </a:ln>
-        </p:spPr>
-        <p:style>
-          <a:lnRef idx="2">
-            <a:schemeClr val="accent1">
-              <a:shade val="50000"/>
-            </a:schemeClr>
-          </a:lnRef>
-          <a:fillRef idx="1">
-            <a:schemeClr val="accent1"/>
-          </a:fillRef>
-          <a:effectRef idx="0">
-            <a:schemeClr val="accent1"/>
-          </a:effectRef>
-          <a:fontRef idx="minor">
-            <a:schemeClr val="lt1"/>
-          </a:fontRef>
-        </p:style>
+            <a:spLocks noGrp="1"/>
+          </p:cNvSpPr>
+          <p:nvPr>
+            <p:ph idx="1"/>
+          </p:nvPr>
+        </p:nvSpPr>
+        <p:spPr/>
         <p:txBody>
           <a:bodyPr/>
           <a:lstStyle/>
           <a:p>
-            <a:endParaRPr lang="pt-BR"/>
-          </a:p>
-        </p:txBody>
-      </p:sp>
-      <p:sp>
-        <p:nvSpPr>
-          <p:cNvPr id="3" name="Subtítulo 2">
+            <a:endParaRPr lang="pt-BR" dirty="0"/>
+          </a:p>
+          <a:p>
+            <a:pPr lvl="1"/>
+            <a:r>
+              <a:rPr lang="pt-BR" sz="2400" dirty="0"/>
+              <a:t>As aulas de “não código”</a:t>
+            </a:r>
+          </a:p>
+          <a:p>
+            <a:pPr lvl="1"/>
+            <a:r>
+              <a:rPr lang="pt-BR" sz="2400" dirty="0"/>
+              <a:t>A oportunidade de conhecer novas tecnologias</a:t>
+            </a:r>
+          </a:p>
+          <a:p>
+            <a:pPr lvl="1"/>
+            <a:r>
+              <a:rPr lang="pt-BR" sz="2400" dirty="0"/>
+              <a:t>A forma informal de ensino</a:t>
+            </a:r>
+          </a:p>
+        </p:txBody>
+      </p:sp>
+      <p:sp>
+        <p:nvSpPr>
+          <p:cNvPr id="4" name="Espaço Reservado para Data 3">
             <a:extLst>
               <a:ext uri="{FF2B5EF4-FFF2-40B4-BE49-F238E27FC236}">
-                <a16:creationId xmlns:a16="http://schemas.microsoft.com/office/drawing/2014/main" id="{255E1F2F-E259-4EA8-9FFD-3A10AF541859}"/>
+                <a16:creationId xmlns:a16="http://schemas.microsoft.com/office/drawing/2014/main" id="{C89F2C0A-5184-DFCA-C6EF-933917272F0B}"/>
               </a:ext>
             </a:extLst>
           </p:cNvPr>
@@ -4835,37 +4881,366 @@
             <a:spLocks noGrp="1"/>
           </p:cNvSpPr>
           <p:nvPr>
-            <p:ph type="subTitle" idx="1"/>
-          </p:nvPr>
-        </p:nvSpPr>
-        <p:spPr>
-          <a:xfrm>
-            <a:off x="1100051" y="5225240"/>
-            <a:ext cx="10058400" cy="1143000"/>
-          </a:xfrm>
-        </p:spPr>
-        <p:txBody>
-          <a:bodyPr rtlCol="0">
-            <a:normAutofit/>
-          </a:bodyPr>
+            <p:ph type="dt" sz="half" idx="10"/>
+          </p:nvPr>
+        </p:nvSpPr>
+        <p:spPr/>
+        <p:txBody>
+          <a:bodyPr/>
           <a:lstStyle/>
           <a:p>
             <a:pPr rtl="0"/>
-            <a:r>
-              <a:rPr lang="pt-br">
-                <a:solidFill>
-                  <a:srgbClr val="FFFFFF"/>
-                </a:solidFill>
-              </a:rPr>
-              <a:t>– Neil Armstrong</a:t>
-            </a:r>
+            <a:fld id="{623252B5-F3E6-4058-A723-196087E9E541}" type="datetime1">
+              <a:rPr lang="pt-BR" smtClean="0"/>
+              <a:t>27/09/2023</a:t>
+            </a:fld>
+            <a:endParaRPr lang="en-US" dirty="0"/>
           </a:p>
         </p:txBody>
       </p:sp>
     </p:spTree>
     <p:extLst>
       <p:ext uri="{BB962C8B-B14F-4D97-AF65-F5344CB8AC3E}">
-        <p14:creationId xmlns:p14="http://schemas.microsoft.com/office/powerpoint/2010/main" val="191714609"/>
+        <p14:creationId xmlns:p14="http://schemas.microsoft.com/office/powerpoint/2010/main" val="2939014663"/>
+      </p:ext>
+    </p:extLst>
+  </p:cSld>
+  <p:clrMapOvr>
+    <a:masterClrMapping/>
+  </p:clrMapOvr>
+</p:sld>
+</file>
+
+<file path=ppt/slides/slide12.xml><?xml version="1.0" encoding="utf-8"?>
+<p:sld xmlns:a="http://schemas.openxmlformats.org/drawingml/2006/main" xmlns:r="http://schemas.openxmlformats.org/officeDocument/2006/relationships" xmlns:p="http://schemas.openxmlformats.org/presentationml/2006/main">
+  <p:cSld>
+    <p:spTree>
+      <p:nvGrpSpPr>
+        <p:cNvPr id="1" name=""/>
+        <p:cNvGrpSpPr/>
+        <p:nvPr/>
+      </p:nvGrpSpPr>
+      <p:grpSpPr>
+        <a:xfrm>
+          <a:off x="0" y="0"/>
+          <a:ext cx="0" cy="0"/>
+          <a:chOff x="0" y="0"/>
+          <a:chExt cx="0" cy="0"/>
+        </a:xfrm>
+      </p:grpSpPr>
+      <p:sp>
+        <p:nvSpPr>
+          <p:cNvPr id="2" name="Título 1">
+            <a:extLst>
+              <a:ext uri="{FF2B5EF4-FFF2-40B4-BE49-F238E27FC236}">
+                <a16:creationId xmlns:a16="http://schemas.microsoft.com/office/drawing/2014/main" id="{3DA6D437-0714-A6E8-ADF9-A1ABB8ED2DCB}"/>
+              </a:ext>
+            </a:extLst>
+          </p:cNvPr>
+          <p:cNvSpPr>
+            <a:spLocks noGrp="1"/>
+          </p:cNvSpPr>
+          <p:nvPr>
+            <p:ph type="title"/>
+          </p:nvPr>
+        </p:nvSpPr>
+        <p:spPr/>
+        <p:txBody>
+          <a:bodyPr/>
+          <a:lstStyle/>
+          <a:p>
+            <a:r>
+              <a:rPr lang="pt-BR" dirty="0"/>
+              <a:t>Pontos negativos</a:t>
+            </a:r>
+          </a:p>
+        </p:txBody>
+      </p:sp>
+      <p:sp>
+        <p:nvSpPr>
+          <p:cNvPr id="3" name="Espaço Reservado para Conteúdo 2">
+            <a:extLst>
+              <a:ext uri="{FF2B5EF4-FFF2-40B4-BE49-F238E27FC236}">
+                <a16:creationId xmlns:a16="http://schemas.microsoft.com/office/drawing/2014/main" id="{06C72539-1A27-E44A-530B-478FB4B21018}"/>
+              </a:ext>
+            </a:extLst>
+          </p:cNvPr>
+          <p:cNvSpPr>
+            <a:spLocks noGrp="1"/>
+          </p:cNvSpPr>
+          <p:nvPr>
+            <p:ph idx="1"/>
+          </p:nvPr>
+        </p:nvSpPr>
+        <p:spPr/>
+        <p:txBody>
+          <a:bodyPr/>
+          <a:lstStyle/>
+          <a:p>
+            <a:endParaRPr lang="pt-BR" dirty="0"/>
+          </a:p>
+          <a:p>
+            <a:pPr lvl="1"/>
+            <a:r>
+              <a:rPr lang="pt-BR" sz="2400" dirty="0"/>
+              <a:t>O horário das aulas começando às 19h;</a:t>
+            </a:r>
+          </a:p>
+          <a:p>
+            <a:pPr lvl="1"/>
+            <a:r>
+              <a:rPr lang="pt-BR" sz="2400" dirty="0"/>
+              <a:t>A dinâmica da minha atividade no banco nas 2 primeiras semanas;</a:t>
+            </a:r>
+          </a:p>
+          <a:p>
+            <a:pPr lvl="1"/>
+            <a:r>
+              <a:rPr lang="pt-BR" sz="2400" dirty="0"/>
+              <a:t>O sistema de ensino </a:t>
+            </a:r>
+            <a:r>
+              <a:rPr lang="pt-BR" sz="2400"/>
+              <a:t>à distância;</a:t>
+            </a:r>
+            <a:endParaRPr lang="pt-BR" sz="2400" dirty="0"/>
+          </a:p>
+          <a:p>
+            <a:pPr lvl="1"/>
+            <a:r>
+              <a:rPr lang="pt-BR" sz="2400" dirty="0"/>
+              <a:t>O hábito de deixar tudo pra última hora.</a:t>
+            </a:r>
+          </a:p>
+        </p:txBody>
+      </p:sp>
+      <p:sp>
+        <p:nvSpPr>
+          <p:cNvPr id="4" name="Espaço Reservado para Data 3">
+            <a:extLst>
+              <a:ext uri="{FF2B5EF4-FFF2-40B4-BE49-F238E27FC236}">
+                <a16:creationId xmlns:a16="http://schemas.microsoft.com/office/drawing/2014/main" id="{C89F2C0A-5184-DFCA-C6EF-933917272F0B}"/>
+              </a:ext>
+            </a:extLst>
+          </p:cNvPr>
+          <p:cNvSpPr>
+            <a:spLocks noGrp="1"/>
+          </p:cNvSpPr>
+          <p:nvPr>
+            <p:ph type="dt" sz="half" idx="10"/>
+          </p:nvPr>
+        </p:nvSpPr>
+        <p:spPr/>
+        <p:txBody>
+          <a:bodyPr/>
+          <a:lstStyle/>
+          <a:p>
+            <a:pPr rtl="0"/>
+            <a:fld id="{623252B5-F3E6-4058-A723-196087E9E541}" type="datetime1">
+              <a:rPr lang="pt-BR" smtClean="0"/>
+              <a:t>27/09/2023</a:t>
+            </a:fld>
+            <a:endParaRPr lang="en-US" dirty="0"/>
+          </a:p>
+        </p:txBody>
+      </p:sp>
+    </p:spTree>
+    <p:extLst>
+      <p:ext uri="{BB962C8B-B14F-4D97-AF65-F5344CB8AC3E}">
+        <p14:creationId xmlns:p14="http://schemas.microsoft.com/office/powerpoint/2010/main" val="1056001947"/>
+      </p:ext>
+    </p:extLst>
+  </p:cSld>
+  <p:clrMapOvr>
+    <a:masterClrMapping/>
+  </p:clrMapOvr>
+</p:sld>
+</file>
+
+<file path=ppt/slides/slide2.xml><?xml version="1.0" encoding="utf-8"?>
+<p:sld xmlns:a="http://schemas.openxmlformats.org/drawingml/2006/main" xmlns:r="http://schemas.openxmlformats.org/officeDocument/2006/relationships" xmlns:p="http://schemas.openxmlformats.org/presentationml/2006/main">
+  <p:cSld>
+    <p:spTree>
+      <p:nvGrpSpPr>
+        <p:cNvPr id="1" name=""/>
+        <p:cNvGrpSpPr/>
+        <p:nvPr/>
+      </p:nvGrpSpPr>
+      <p:grpSpPr>
+        <a:xfrm>
+          <a:off x="0" y="0"/>
+          <a:ext cx="0" cy="0"/>
+          <a:chOff x="0" y="0"/>
+          <a:chExt cx="0" cy="0"/>
+        </a:xfrm>
+      </p:grpSpPr>
+      <p:sp>
+        <p:nvSpPr>
+          <p:cNvPr id="2" name="Título 1">
+            <a:extLst>
+              <a:ext uri="{FF2B5EF4-FFF2-40B4-BE49-F238E27FC236}">
+                <a16:creationId xmlns:a16="http://schemas.microsoft.com/office/drawing/2014/main" id="{6A02A6B8-1B69-DF78-0676-DA3E308C4D2C}"/>
+              </a:ext>
+            </a:extLst>
+          </p:cNvPr>
+          <p:cNvSpPr>
+            <a:spLocks noGrp="1"/>
+          </p:cNvSpPr>
+          <p:nvPr>
+            <p:ph type="title"/>
+          </p:nvPr>
+        </p:nvSpPr>
+        <p:spPr/>
+        <p:txBody>
+          <a:bodyPr/>
+          <a:lstStyle/>
+          <a:p>
+            <a:r>
+              <a:rPr lang="pt-BR" dirty="0"/>
+              <a:t>Apresentação do tema</a:t>
+            </a:r>
+          </a:p>
+        </p:txBody>
+      </p:sp>
+      <p:sp>
+        <p:nvSpPr>
+          <p:cNvPr id="3" name="Espaço Reservado para Conteúdo 2">
+            <a:extLst>
+              <a:ext uri="{FF2B5EF4-FFF2-40B4-BE49-F238E27FC236}">
+                <a16:creationId xmlns:a16="http://schemas.microsoft.com/office/drawing/2014/main" id="{336FBD52-8353-8D1D-9269-F2D4690D232E}"/>
+              </a:ext>
+            </a:extLst>
+          </p:cNvPr>
+          <p:cNvSpPr>
+            <a:spLocks noGrp="1"/>
+          </p:cNvSpPr>
+          <p:nvPr>
+            <p:ph idx="1"/>
+          </p:nvPr>
+        </p:nvSpPr>
+        <p:spPr/>
+        <p:txBody>
+          <a:bodyPr/>
+          <a:lstStyle/>
+          <a:p>
+            <a:pPr marL="544068" lvl="1" indent="-342900">
+              <a:buFont typeface="+mj-lt"/>
+              <a:buAutoNum type="arabicPeriod"/>
+            </a:pPr>
+            <a:endParaRPr lang="pt-BR" dirty="0"/>
+          </a:p>
+          <a:p>
+            <a:pPr marL="544068" lvl="1" indent="-342900">
+              <a:buFont typeface="+mj-lt"/>
+              <a:buAutoNum type="arabicPeriod"/>
+            </a:pPr>
+            <a:r>
+              <a:rPr lang="pt-BR" sz="2400" dirty="0"/>
+              <a:t>Motivação pelo tema proposto;</a:t>
+            </a:r>
+          </a:p>
+          <a:p>
+            <a:pPr marL="544068" lvl="1" indent="-342900">
+              <a:buFont typeface="+mj-lt"/>
+              <a:buAutoNum type="arabicPeriod"/>
+            </a:pPr>
+            <a:r>
+              <a:rPr lang="pt-BR" sz="2400" dirty="0"/>
+              <a:t>Pequena ambientação do problema;</a:t>
+            </a:r>
+          </a:p>
+          <a:p>
+            <a:pPr marL="544068" lvl="1" indent="-342900">
+              <a:buFont typeface="+mj-lt"/>
+              <a:buAutoNum type="arabicPeriod"/>
+            </a:pPr>
+            <a:r>
+              <a:rPr lang="pt-BR" sz="2400" dirty="0"/>
+              <a:t>Adoção do formato SPA e explicação pelas tecnologias utilizadas;</a:t>
+            </a:r>
+          </a:p>
+          <a:p>
+            <a:pPr marL="544068" lvl="1" indent="-342900">
+              <a:buFont typeface="+mj-lt"/>
+              <a:buAutoNum type="arabicPeriod"/>
+            </a:pPr>
+            <a:r>
+              <a:rPr lang="pt-BR" sz="2400" dirty="0"/>
+              <a:t>Desafios e melhorias;</a:t>
+            </a:r>
+          </a:p>
+          <a:p>
+            <a:pPr marL="544068" lvl="1" indent="-342900">
+              <a:buFont typeface="+mj-lt"/>
+              <a:buAutoNum type="arabicPeriod"/>
+            </a:pPr>
+            <a:r>
+              <a:rPr lang="pt-BR" sz="2400" dirty="0"/>
+              <a:t>Pontos positivos durante o trajeto na </a:t>
+            </a:r>
+            <a:r>
+              <a:rPr lang="pt-BR" sz="2400" dirty="0" err="1"/>
+              <a:t>Tera</a:t>
+            </a:r>
+            <a:r>
+              <a:rPr lang="pt-BR" sz="2400" dirty="0"/>
+              <a:t>;</a:t>
+            </a:r>
+          </a:p>
+          <a:p>
+            <a:pPr marL="544068" lvl="1" indent="-342900">
+              <a:buFont typeface="+mj-lt"/>
+              <a:buAutoNum type="arabicPeriod"/>
+            </a:pPr>
+            <a:r>
+              <a:rPr lang="pt-BR" sz="2400" dirty="0"/>
+              <a:t>Pontos negativos durante o trajeto na </a:t>
+            </a:r>
+            <a:r>
+              <a:rPr lang="pt-BR" sz="2400" dirty="0" err="1"/>
+              <a:t>Tera</a:t>
+            </a:r>
+            <a:r>
+              <a:rPr lang="pt-BR" sz="2400" dirty="0"/>
+              <a:t>;</a:t>
+            </a:r>
+          </a:p>
+        </p:txBody>
+      </p:sp>
+      <p:sp>
+        <p:nvSpPr>
+          <p:cNvPr id="4" name="Espaço Reservado para Data 3">
+            <a:extLst>
+              <a:ext uri="{FF2B5EF4-FFF2-40B4-BE49-F238E27FC236}">
+                <a16:creationId xmlns:a16="http://schemas.microsoft.com/office/drawing/2014/main" id="{F577AD5A-1081-B9B5-3B61-F25F1CA1732C}"/>
+              </a:ext>
+            </a:extLst>
+          </p:cNvPr>
+          <p:cNvSpPr>
+            <a:spLocks noGrp="1"/>
+          </p:cNvSpPr>
+          <p:nvPr>
+            <p:ph type="dt" sz="half" idx="10"/>
+          </p:nvPr>
+        </p:nvSpPr>
+        <p:spPr/>
+        <p:txBody>
+          <a:bodyPr/>
+          <a:lstStyle/>
+          <a:p>
+            <a:pPr rtl="0"/>
+            <a:fld id="{623252B5-F3E6-4058-A723-196087E9E541}" type="datetime1">
+              <a:rPr lang="pt-BR" smtClean="0"/>
+              <a:t>27/09/2023</a:t>
+            </a:fld>
+            <a:endParaRPr lang="en-US" dirty="0"/>
+          </a:p>
+        </p:txBody>
+      </p:sp>
+    </p:spTree>
+    <p:extLst>
+      <p:ext uri="{BB962C8B-B14F-4D97-AF65-F5344CB8AC3E}">
+        <p14:creationId xmlns:p14="http://schemas.microsoft.com/office/powerpoint/2010/main" val="1666599832"/>
       </p:ext>
     </p:extLst>
   </p:cSld>
@@ -4897,7 +5272,7 @@
           <p:cNvPr id="2" name="Título 1">
             <a:extLst>
               <a:ext uri="{FF2B5EF4-FFF2-40B4-BE49-F238E27FC236}">
-                <a16:creationId xmlns:a16="http://schemas.microsoft.com/office/drawing/2014/main" id="{6A02A6B8-1B69-DF78-0676-DA3E308C4D2C}"/>
+                <a16:creationId xmlns:a16="http://schemas.microsoft.com/office/drawing/2014/main" id="{39F273F5-8A83-4B29-A220-1F4FDD3FC6DD}"/>
               </a:ext>
             </a:extLst>
           </p:cNvPr>
@@ -4915,7 +5290,7 @@
           <a:p>
             <a:r>
               <a:rPr lang="pt-BR" dirty="0"/>
-              <a:t>Apresentação do tema</a:t>
+              <a:t>Motivação pelo tema proposto</a:t>
             </a:r>
           </a:p>
         </p:txBody>
@@ -4925,7 +5300,7 @@
           <p:cNvPr id="3" name="Espaço Reservado para Conteúdo 2">
             <a:extLst>
               <a:ext uri="{FF2B5EF4-FFF2-40B4-BE49-F238E27FC236}">
-                <a16:creationId xmlns:a16="http://schemas.microsoft.com/office/drawing/2014/main" id="{336FBD52-8353-8D1D-9269-F2D4690D232E}"/>
+                <a16:creationId xmlns:a16="http://schemas.microsoft.com/office/drawing/2014/main" id="{16E18B15-0291-23B6-793E-80E2093E028F}"/>
               </a:ext>
             </a:extLst>
           </p:cNvPr>
@@ -4941,87 +5316,30 @@
           <a:bodyPr/>
           <a:lstStyle/>
           <a:p>
-            <a:pPr marL="544068" lvl="1" indent="-342900">
-              <a:buFont typeface="+mj-lt"/>
-              <a:buAutoNum type="arabicPeriod"/>
-            </a:pPr>
+            <a:pPr lvl="1"/>
             <a:endParaRPr lang="pt-BR" dirty="0"/>
           </a:p>
           <a:p>
-            <a:pPr marL="544068" lvl="1" indent="-342900">
-              <a:buFont typeface="+mj-lt"/>
-              <a:buAutoNum type="arabicPeriod"/>
-            </a:pPr>
+            <a:pPr lvl="1"/>
             <a:r>
               <a:rPr lang="pt-BR" sz="2400" dirty="0"/>
-              <a:t>Motivação pelo tema proposto;</a:t>
-            </a:r>
-          </a:p>
-          <a:p>
-            <a:pPr marL="544068" lvl="1" indent="-342900">
-              <a:buFont typeface="+mj-lt"/>
-              <a:buAutoNum type="arabicPeriod"/>
-            </a:pPr>
+              <a:t>Como a ideia surgiu? </a:t>
+            </a:r>
+          </a:p>
+          <a:p>
+            <a:pPr lvl="1"/>
             <a:r>
               <a:rPr lang="pt-BR" sz="2400" dirty="0"/>
-              <a:t>Pequena ambientação do problema;</a:t>
-            </a:r>
-          </a:p>
-          <a:p>
-            <a:pPr marL="544068" lvl="1" indent="-342900">
-              <a:buFont typeface="+mj-lt"/>
-              <a:buAutoNum type="arabicPeriod"/>
-            </a:pPr>
-            <a:r>
-              <a:rPr lang="pt-BR" sz="2400" dirty="0"/>
-              <a:t>Adoção do formato SPA e explicação pelas tecnologias utilizadas;</a:t>
-            </a:r>
-          </a:p>
-          <a:p>
-            <a:pPr marL="544068" lvl="1" indent="-342900">
-              <a:buFont typeface="+mj-lt"/>
-              <a:buAutoNum type="arabicPeriod"/>
-            </a:pPr>
-            <a:r>
-              <a:rPr lang="pt-BR" sz="2400" dirty="0"/>
-              <a:t>Desafios e melhorias;</a:t>
-            </a:r>
-          </a:p>
-          <a:p>
-            <a:pPr marL="544068" lvl="1" indent="-342900">
-              <a:buFont typeface="+mj-lt"/>
-              <a:buAutoNum type="arabicPeriod"/>
-            </a:pPr>
-            <a:r>
-              <a:rPr lang="pt-BR" sz="2400" dirty="0"/>
-              <a:t>Pontos positivos durante o trajeto na </a:t>
-            </a:r>
-            <a:r>
-              <a:rPr lang="pt-BR" sz="2400" dirty="0" err="1"/>
-              <a:t>Tera</a:t>
-            </a:r>
-            <a:r>
-              <a:rPr lang="pt-BR" sz="2400" dirty="0"/>
-              <a:t>;</a:t>
-            </a:r>
-          </a:p>
-          <a:p>
-            <a:pPr marL="544068" lvl="1" indent="-342900">
-              <a:buFont typeface="+mj-lt"/>
-              <a:buAutoNum type="arabicPeriod"/>
-            </a:pPr>
-            <a:r>
-              <a:rPr lang="pt-BR" sz="2400" dirty="0"/>
-              <a:t>Pontos negativos durante o trajeto na </a:t>
-            </a:r>
-            <a:r>
-              <a:rPr lang="pt-BR" sz="2400" dirty="0" err="1"/>
-              <a:t>Tera</a:t>
-            </a:r>
-            <a:r>
-              <a:rPr lang="pt-BR" sz="2400" dirty="0"/>
-              <a:t>;</a:t>
-            </a:r>
+              <a:t>O que é um ANS?</a:t>
+            </a:r>
+          </a:p>
+          <a:p>
+            <a:pPr lvl="1"/>
+            <a:endParaRPr lang="pt-BR" dirty="0"/>
+          </a:p>
+          <a:p>
+            <a:pPr lvl="1"/>
+            <a:endParaRPr lang="pt-BR" dirty="0"/>
           </a:p>
         </p:txBody>
       </p:sp>
@@ -5030,7 +5348,7 @@
           <p:cNvPr id="4" name="Espaço Reservado para Data 3">
             <a:extLst>
               <a:ext uri="{FF2B5EF4-FFF2-40B4-BE49-F238E27FC236}">
-                <a16:creationId xmlns:a16="http://schemas.microsoft.com/office/drawing/2014/main" id="{F577AD5A-1081-B9B5-3B61-F25F1CA1732C}"/>
+                <a16:creationId xmlns:a16="http://schemas.microsoft.com/office/drawing/2014/main" id="{AD4AB735-1B8F-1B25-F9EA-811FBD2FAF66}"/>
               </a:ext>
             </a:extLst>
           </p:cNvPr>
@@ -5058,7 +5376,7 @@
     </p:spTree>
     <p:extLst>
       <p:ext uri="{BB962C8B-B14F-4D97-AF65-F5344CB8AC3E}">
-        <p14:creationId xmlns:p14="http://schemas.microsoft.com/office/powerpoint/2010/main" val="1666599832"/>
+        <p14:creationId xmlns:p14="http://schemas.microsoft.com/office/powerpoint/2010/main" val="607325360"/>
       </p:ext>
     </p:extLst>
   </p:cSld>
@@ -5090,7 +5408,7 @@
           <p:cNvPr id="2" name="Título 1">
             <a:extLst>
               <a:ext uri="{FF2B5EF4-FFF2-40B4-BE49-F238E27FC236}">
-                <a16:creationId xmlns:a16="http://schemas.microsoft.com/office/drawing/2014/main" id="{39F273F5-8A83-4B29-A220-1F4FDD3FC6DD}"/>
+                <a16:creationId xmlns:a16="http://schemas.microsoft.com/office/drawing/2014/main" id="{3DA6D437-0714-A6E8-ADF9-A1ABB8ED2DCB}"/>
               </a:ext>
             </a:extLst>
           </p:cNvPr>
@@ -5108,7 +5426,7 @@
           <a:p>
             <a:r>
               <a:rPr lang="pt-BR" dirty="0"/>
-              <a:t>Motivação pelo tema proposto</a:t>
+              <a:t>Pequena ambientação do problema</a:t>
             </a:r>
           </a:p>
         </p:txBody>
@@ -5118,7 +5436,7 @@
           <p:cNvPr id="3" name="Espaço Reservado para Conteúdo 2">
             <a:extLst>
               <a:ext uri="{FF2B5EF4-FFF2-40B4-BE49-F238E27FC236}">
-                <a16:creationId xmlns:a16="http://schemas.microsoft.com/office/drawing/2014/main" id="{16E18B15-0291-23B6-793E-80E2093E028F}"/>
+                <a16:creationId xmlns:a16="http://schemas.microsoft.com/office/drawing/2014/main" id="{06C72539-1A27-E44A-530B-478FB4B21018}"/>
               </a:ext>
             </a:extLst>
           </p:cNvPr>
@@ -5134,30 +5452,49 @@
           <a:bodyPr/>
           <a:lstStyle/>
           <a:p>
+            <a:endParaRPr lang="pt-BR" dirty="0"/>
+          </a:p>
+          <a:p>
             <a:pPr lvl="1"/>
-            <a:endParaRPr lang="pt-BR" dirty="0"/>
+            <a:r>
+              <a:rPr lang="pt-BR" dirty="0"/>
+              <a:t>O nosso departamento é o responsável por enviar os dados do SCR ao BACEN;</a:t>
+            </a:r>
           </a:p>
           <a:p>
             <a:pPr lvl="1"/>
             <a:r>
-              <a:rPr lang="pt-BR" sz="2400" dirty="0"/>
-              <a:t>Como a ideia surgiu? </a:t>
+              <a:rPr lang="pt-BR" dirty="0"/>
+              <a:t>Estes dados correspondem a todas as operações de crédito maiores que R$ 200,00 ocorridas até o ultimo dia do mês anterior;</a:t>
             </a:r>
           </a:p>
           <a:p>
             <a:pPr lvl="1"/>
             <a:r>
-              <a:rPr lang="pt-BR" sz="2400" dirty="0"/>
-              <a:t>O que é um ANS?</a:t>
+              <a:rPr lang="pt-BR" dirty="0"/>
+              <a:t>Todos os departamentos geradores de conteúdo têm de nos enviar os dados até o 4º dia do mês, pois temos de enviar estes dados até o nono dia útil do mês sob pena de multa;</a:t>
             </a:r>
           </a:p>
           <a:p>
             <a:pPr lvl="1"/>
-            <a:endParaRPr lang="pt-BR" dirty="0"/>
+            <a:r>
+              <a:rPr lang="pt-BR" dirty="0"/>
+              <a:t>Mesmo não sendo o objetivo principal, como consequência da tarefa de envio dos dados, o departamento funciona como um centralizador de dados bancários;</a:t>
+            </a:r>
           </a:p>
           <a:p>
             <a:pPr lvl="1"/>
-            <a:endParaRPr lang="pt-BR" dirty="0"/>
+            <a:r>
+              <a:rPr lang="pt-BR" dirty="0"/>
+              <a:t>Muitos departamentos solicitam acesso à nossa base de dados para as mais diversas finalidades;</a:t>
+            </a:r>
+          </a:p>
+          <a:p>
+            <a:pPr lvl="1"/>
+            <a:r>
+              <a:rPr lang="pt-BR" dirty="0"/>
+              <a:t>Atualmente, o controle dos ANS está ocorrendo através de uma planilha.</a:t>
+            </a:r>
           </a:p>
         </p:txBody>
       </p:sp>
@@ -5166,7 +5503,7 @@
           <p:cNvPr id="4" name="Espaço Reservado para Data 3">
             <a:extLst>
               <a:ext uri="{FF2B5EF4-FFF2-40B4-BE49-F238E27FC236}">
-                <a16:creationId xmlns:a16="http://schemas.microsoft.com/office/drawing/2014/main" id="{AD4AB735-1B8F-1B25-F9EA-811FBD2FAF66}"/>
+                <a16:creationId xmlns:a16="http://schemas.microsoft.com/office/drawing/2014/main" id="{C89F2C0A-5184-DFCA-C6EF-933917272F0B}"/>
               </a:ext>
             </a:extLst>
           </p:cNvPr>
@@ -5194,7 +5531,7 @@
     </p:spTree>
     <p:extLst>
       <p:ext uri="{BB962C8B-B14F-4D97-AF65-F5344CB8AC3E}">
-        <p14:creationId xmlns:p14="http://schemas.microsoft.com/office/powerpoint/2010/main" val="607325360"/>
+        <p14:creationId xmlns:p14="http://schemas.microsoft.com/office/powerpoint/2010/main" val="2555047434"/>
       </p:ext>
     </p:extLst>
   </p:cSld>
@@ -5244,7 +5581,7 @@
           <a:p>
             <a:r>
               <a:rPr lang="pt-BR" dirty="0"/>
-              <a:t>Pequena ambientação do problema</a:t>
+              <a:t>Estrutura do projeto</a:t>
             </a:r>
           </a:p>
         </p:txBody>
@@ -5275,44 +5612,42 @@
           <a:p>
             <a:pPr lvl="1"/>
             <a:r>
-              <a:rPr lang="pt-BR" dirty="0"/>
-              <a:t>O nosso departamento é o responsável por enviar os dados do SCR ao BACEN;</a:t>
+              <a:rPr lang="pt-BR" sz="2400" dirty="0"/>
+              <a:t>A ideia seria criar duas SPA: 1 para o login e 1 para o CRUD;</a:t>
             </a:r>
           </a:p>
           <a:p>
             <a:pPr lvl="1"/>
             <a:r>
-              <a:rPr lang="pt-BR" dirty="0"/>
-              <a:t>Estes dados correspondem a todas as operações de crédito maiores que R$ 200,00 ocorridas até o ultimo dia do mês anterior;</a:t>
-            </a:r>
-          </a:p>
-          <a:p>
-            <a:pPr lvl="1"/>
-            <a:r>
-              <a:rPr lang="pt-BR" dirty="0"/>
-              <a:t>Todos os departamentos geradores de conteúdo têm de nos enviar os dados até o 4º dia do mês, pois temos de enviar estes dados até o nono dia útil do mês sob pena de multa;</a:t>
-            </a:r>
-          </a:p>
-          <a:p>
-            <a:pPr lvl="1"/>
-            <a:r>
-              <a:rPr lang="pt-BR" dirty="0"/>
-              <a:t>Mesmo não sendo o objetivo principal, como consequência da tarefa de envio dos dados, o departamento funciona como um centralizador de dados bancários;</a:t>
-            </a:r>
-          </a:p>
-          <a:p>
-            <a:pPr lvl="1"/>
-            <a:r>
-              <a:rPr lang="pt-BR" dirty="0"/>
-              <a:t>Muitos departamentos solicitam acesso à nossa base de dados para as mais diversas finalidades;</a:t>
-            </a:r>
-          </a:p>
-          <a:p>
-            <a:pPr lvl="1"/>
-            <a:r>
-              <a:rPr lang="pt-BR" dirty="0"/>
-              <a:t>Atualmente, o controle dos ANS está ocorrendo através de uma planilha.</a:t>
-            </a:r>
+              <a:rPr lang="pt-BR" sz="2400" dirty="0"/>
+              <a:t>Optou-se por utilizar o </a:t>
+            </a:r>
+            <a:r>
+              <a:rPr lang="pt-BR" sz="2400" dirty="0" err="1"/>
+              <a:t>AngularJS</a:t>
+            </a:r>
+            <a:r>
+              <a:rPr lang="pt-BR" sz="2400" dirty="0"/>
+              <a:t> por causa da familiaridade ao framework;</a:t>
+            </a:r>
+          </a:p>
+          <a:p>
+            <a:pPr lvl="2"/>
+            <a:r>
+              <a:rPr lang="pt-BR" sz="2000" dirty="0"/>
+              <a:t>Sistema de rotas permitiria uma navegação suave entre as SPA;</a:t>
+            </a:r>
+          </a:p>
+          <a:p>
+            <a:pPr lvl="2"/>
+            <a:r>
+              <a:rPr lang="pt-BR" sz="2000" dirty="0"/>
+              <a:t>Tempo de uso da ferramenta;</a:t>
+            </a:r>
+          </a:p>
+          <a:p>
+            <a:pPr lvl="2"/>
+            <a:endParaRPr lang="pt-BR" sz="2000" dirty="0"/>
           </a:p>
         </p:txBody>
       </p:sp>
@@ -5349,7 +5684,7 @@
     </p:spTree>
     <p:extLst>
       <p:ext uri="{BB962C8B-B14F-4D97-AF65-F5344CB8AC3E}">
-        <p14:creationId xmlns:p14="http://schemas.microsoft.com/office/powerpoint/2010/main" val="2555047434"/>
+        <p14:creationId xmlns:p14="http://schemas.microsoft.com/office/powerpoint/2010/main" val="2388323702"/>
       </p:ext>
     </p:extLst>
   </p:cSld>
@@ -5378,103 +5713,10 @@
       </p:grpSpPr>
       <p:sp>
         <p:nvSpPr>
-          <p:cNvPr id="2" name="Título 1">
-            <a:extLst>
-              <a:ext uri="{FF2B5EF4-FFF2-40B4-BE49-F238E27FC236}">
-                <a16:creationId xmlns:a16="http://schemas.microsoft.com/office/drawing/2014/main" id="{3DA6D437-0714-A6E8-ADF9-A1ABB8ED2DCB}"/>
-              </a:ext>
-            </a:extLst>
-          </p:cNvPr>
-          <p:cNvSpPr>
-            <a:spLocks noGrp="1"/>
-          </p:cNvSpPr>
-          <p:nvPr>
-            <p:ph type="title"/>
-          </p:nvPr>
-        </p:nvSpPr>
-        <p:spPr/>
-        <p:txBody>
-          <a:bodyPr/>
-          <a:lstStyle/>
-          <a:p>
-            <a:r>
-              <a:rPr lang="pt-BR" dirty="0"/>
-              <a:t>Estrutura do projeto</a:t>
-            </a:r>
-          </a:p>
-        </p:txBody>
-      </p:sp>
-      <p:sp>
-        <p:nvSpPr>
-          <p:cNvPr id="3" name="Espaço Reservado para Conteúdo 2">
-            <a:extLst>
-              <a:ext uri="{FF2B5EF4-FFF2-40B4-BE49-F238E27FC236}">
-                <a16:creationId xmlns:a16="http://schemas.microsoft.com/office/drawing/2014/main" id="{06C72539-1A27-E44A-530B-478FB4B21018}"/>
-              </a:ext>
-            </a:extLst>
-          </p:cNvPr>
-          <p:cNvSpPr>
-            <a:spLocks noGrp="1"/>
-          </p:cNvSpPr>
-          <p:nvPr>
-            <p:ph idx="1"/>
-          </p:nvPr>
-        </p:nvSpPr>
-        <p:spPr/>
-        <p:txBody>
-          <a:bodyPr/>
-          <a:lstStyle/>
-          <a:p>
-            <a:endParaRPr lang="pt-BR" dirty="0"/>
-          </a:p>
-          <a:p>
-            <a:pPr lvl="1"/>
-            <a:r>
-              <a:rPr lang="pt-BR" sz="2400" dirty="0"/>
-              <a:t>A ideia seria criar duas SPA: 1 para o login e 1 para o CRUD;</a:t>
-            </a:r>
-          </a:p>
-          <a:p>
-            <a:pPr lvl="1"/>
-            <a:r>
-              <a:rPr lang="pt-BR" sz="2400" dirty="0"/>
-              <a:t>Optou-se por utilizar o </a:t>
-            </a:r>
-            <a:r>
-              <a:rPr lang="pt-BR" sz="2400" dirty="0" err="1"/>
-              <a:t>AngularJS</a:t>
-            </a:r>
-            <a:r>
-              <a:rPr lang="pt-BR" sz="2400" dirty="0"/>
-              <a:t> por causa da familiaridade ao framework;</a:t>
-            </a:r>
-          </a:p>
-          <a:p>
-            <a:pPr lvl="2"/>
-            <a:r>
-              <a:rPr lang="pt-BR" sz="2000" dirty="0"/>
-              <a:t>Sistema de rotas permitiria uma navegação suave entre as SPA;</a:t>
-            </a:r>
-          </a:p>
-          <a:p>
-            <a:pPr lvl="2"/>
-            <a:r>
-              <a:rPr lang="pt-BR" sz="2000" dirty="0"/>
-              <a:t>Tempo de uso da ferramenta;</a:t>
-            </a:r>
-          </a:p>
-          <a:p>
-            <a:pPr lvl="2"/>
-            <a:endParaRPr lang="pt-BR" sz="2000" dirty="0"/>
-          </a:p>
-        </p:txBody>
-      </p:sp>
-      <p:sp>
-        <p:nvSpPr>
           <p:cNvPr id="4" name="Espaço Reservado para Data 3">
             <a:extLst>
               <a:ext uri="{FF2B5EF4-FFF2-40B4-BE49-F238E27FC236}">
-                <a16:creationId xmlns:a16="http://schemas.microsoft.com/office/drawing/2014/main" id="{C89F2C0A-5184-DFCA-C6EF-933917272F0B}"/>
+                <a16:creationId xmlns:a16="http://schemas.microsoft.com/office/drawing/2014/main" id="{7706FC80-F18A-FEC3-D7CB-0A7FB47ED6C5}"/>
               </a:ext>
             </a:extLst>
           </p:cNvPr>
@@ -5499,10 +5741,715 @@
           </a:p>
         </p:txBody>
       </p:sp>
+      <p:sp>
+        <p:nvSpPr>
+          <p:cNvPr id="8" name="CaixaDeTexto 7">
+            <a:extLst>
+              <a:ext uri="{FF2B5EF4-FFF2-40B4-BE49-F238E27FC236}">
+                <a16:creationId xmlns:a16="http://schemas.microsoft.com/office/drawing/2014/main" id="{51B1B932-BA74-7C2D-0579-2C0B89EB7DFD}"/>
+              </a:ext>
+            </a:extLst>
+          </p:cNvPr>
+          <p:cNvSpPr txBox="1"/>
+          <p:nvPr/>
+        </p:nvSpPr>
+        <p:spPr>
+          <a:xfrm>
+            <a:off x="787401" y="989870"/>
+            <a:ext cx="10397066" cy="4878259"/>
+          </a:xfrm>
+          <a:prstGeom prst="rect">
+            <a:avLst/>
+          </a:prstGeom>
+          <a:noFill/>
+        </p:spPr>
+        <p:txBody>
+          <a:bodyPr wrap="square">
+            <a:spAutoFit/>
+          </a:bodyPr>
+          <a:lstStyle/>
+          <a:p>
+            <a:r>
+              <a:rPr lang="pt-BR" sz="1100" b="0" dirty="0">
+                <a:effectLst/>
+                <a:latin typeface="Consolas" panose="020B0609020204030204" pitchFamily="49" charset="0"/>
+              </a:rPr>
+              <a:t>var app = </a:t>
+            </a:r>
+            <a:r>
+              <a:rPr lang="pt-BR" sz="1100" b="0" dirty="0" err="1">
+                <a:effectLst/>
+                <a:latin typeface="Consolas" panose="020B0609020204030204" pitchFamily="49" charset="0"/>
+              </a:rPr>
+              <a:t>angular.module</a:t>
+            </a:r>
+            <a:r>
+              <a:rPr lang="pt-BR" sz="1100" b="0" dirty="0">
+                <a:effectLst/>
+                <a:latin typeface="Consolas" panose="020B0609020204030204" pitchFamily="49" charset="0"/>
+              </a:rPr>
+              <a:t>("</a:t>
+            </a:r>
+            <a:r>
+              <a:rPr lang="pt-BR" sz="1100" b="0" dirty="0" err="1">
+                <a:effectLst/>
+                <a:latin typeface="Consolas" panose="020B0609020204030204" pitchFamily="49" charset="0"/>
+              </a:rPr>
+              <a:t>myApp</a:t>
+            </a:r>
+            <a:r>
+              <a:rPr lang="pt-BR" sz="1100" b="0" dirty="0">
+                <a:effectLst/>
+                <a:latin typeface="Consolas" panose="020B0609020204030204" pitchFamily="49" charset="0"/>
+              </a:rPr>
+              <a:t>", ["</a:t>
+            </a:r>
+            <a:r>
+              <a:rPr lang="pt-BR" sz="1100" b="0" dirty="0" err="1">
+                <a:effectLst/>
+                <a:latin typeface="Consolas" panose="020B0609020204030204" pitchFamily="49" charset="0"/>
+              </a:rPr>
+              <a:t>ngAnimate</a:t>
+            </a:r>
+            <a:r>
+              <a:rPr lang="pt-BR" sz="1100" b="0" dirty="0">
+                <a:effectLst/>
+                <a:latin typeface="Consolas" panose="020B0609020204030204" pitchFamily="49" charset="0"/>
+              </a:rPr>
+              <a:t>", "</a:t>
+            </a:r>
+            <a:r>
+              <a:rPr lang="pt-BR" sz="1100" b="0" dirty="0" err="1">
+                <a:effectLst/>
+                <a:latin typeface="Consolas" panose="020B0609020204030204" pitchFamily="49" charset="0"/>
+              </a:rPr>
+              <a:t>ngRoute</a:t>
+            </a:r>
+            <a:r>
+              <a:rPr lang="pt-BR" sz="1100" b="0" dirty="0">
+                <a:effectLst/>
+                <a:latin typeface="Consolas" panose="020B0609020204030204" pitchFamily="49" charset="0"/>
+              </a:rPr>
+              <a:t>"]);</a:t>
+            </a:r>
+          </a:p>
+          <a:p>
+            <a:br>
+              <a:rPr lang="pt-BR" sz="1100" b="0" dirty="0">
+                <a:effectLst/>
+                <a:latin typeface="Consolas" panose="020B0609020204030204" pitchFamily="49" charset="0"/>
+              </a:rPr>
+            </a:br>
+            <a:r>
+              <a:rPr lang="pt-BR" sz="1100" b="0" dirty="0">
+                <a:effectLst/>
+                <a:latin typeface="Consolas" panose="020B0609020204030204" pitchFamily="49" charset="0"/>
+              </a:rPr>
+              <a:t>    </a:t>
+            </a:r>
+            <a:r>
+              <a:rPr lang="pt-BR" sz="1100" b="0" dirty="0" err="1">
+                <a:effectLst/>
+                <a:latin typeface="Consolas" panose="020B0609020204030204" pitchFamily="49" charset="0"/>
+              </a:rPr>
+              <a:t>app.config</a:t>
+            </a:r>
+            <a:r>
+              <a:rPr lang="pt-BR" sz="1100" b="0" dirty="0">
+                <a:effectLst/>
+                <a:latin typeface="Consolas" panose="020B0609020204030204" pitchFamily="49" charset="0"/>
+              </a:rPr>
+              <a:t>(</a:t>
+            </a:r>
+            <a:r>
+              <a:rPr lang="pt-BR" sz="1100" b="0" dirty="0" err="1">
+                <a:effectLst/>
+                <a:latin typeface="Consolas" panose="020B0609020204030204" pitchFamily="49" charset="0"/>
+              </a:rPr>
+              <a:t>function</a:t>
+            </a:r>
+            <a:r>
+              <a:rPr lang="pt-BR" sz="1100" b="0" dirty="0">
+                <a:effectLst/>
+                <a:latin typeface="Consolas" panose="020B0609020204030204" pitchFamily="49" charset="0"/>
+              </a:rPr>
+              <a:t>($</a:t>
+            </a:r>
+            <a:r>
+              <a:rPr lang="pt-BR" sz="1100" b="0" dirty="0" err="1">
+                <a:effectLst/>
+                <a:latin typeface="Consolas" panose="020B0609020204030204" pitchFamily="49" charset="0"/>
+              </a:rPr>
+              <a:t>routeProvider</a:t>
+            </a:r>
+            <a:r>
+              <a:rPr lang="pt-BR" sz="1100" b="0" dirty="0">
+                <a:effectLst/>
+                <a:latin typeface="Consolas" panose="020B0609020204030204" pitchFamily="49" charset="0"/>
+              </a:rPr>
+              <a:t>) {</a:t>
+            </a:r>
+          </a:p>
+          <a:p>
+            <a:r>
+              <a:rPr lang="pt-BR" sz="1100" b="0" dirty="0">
+                <a:effectLst/>
+                <a:latin typeface="Consolas" panose="020B0609020204030204" pitchFamily="49" charset="0"/>
+              </a:rPr>
+              <a:t>        $</a:t>
+            </a:r>
+            <a:r>
+              <a:rPr lang="pt-BR" sz="1100" b="0" dirty="0" err="1">
+                <a:effectLst/>
+                <a:latin typeface="Consolas" panose="020B0609020204030204" pitchFamily="49" charset="0"/>
+              </a:rPr>
+              <a:t>routeProvider</a:t>
+            </a:r>
+            <a:endParaRPr lang="pt-BR" sz="1100" b="0" dirty="0">
+              <a:effectLst/>
+              <a:latin typeface="Consolas" panose="020B0609020204030204" pitchFamily="49" charset="0"/>
+            </a:endParaRPr>
+          </a:p>
+          <a:p>
+            <a:r>
+              <a:rPr lang="pt-BR" sz="1100" b="0" dirty="0">
+                <a:effectLst/>
+                <a:latin typeface="Consolas" panose="020B0609020204030204" pitchFamily="49" charset="0"/>
+              </a:rPr>
+              <a:t>        </a:t>
+            </a:r>
+          </a:p>
+          <a:p>
+            <a:r>
+              <a:rPr lang="pt-BR" sz="1100" b="0" dirty="0">
+                <a:effectLst/>
+                <a:latin typeface="Consolas" panose="020B0609020204030204" pitchFamily="49" charset="0"/>
+              </a:rPr>
+              <a:t>        .</a:t>
+            </a:r>
+            <a:r>
+              <a:rPr lang="pt-BR" sz="1100" b="0" dirty="0" err="1">
+                <a:effectLst/>
+                <a:latin typeface="Consolas" panose="020B0609020204030204" pitchFamily="49" charset="0"/>
+              </a:rPr>
+              <a:t>when</a:t>
+            </a:r>
+            <a:r>
+              <a:rPr lang="pt-BR" sz="1100" b="0" dirty="0">
+                <a:effectLst/>
+                <a:latin typeface="Consolas" panose="020B0609020204030204" pitchFamily="49" charset="0"/>
+              </a:rPr>
+              <a:t>("/", {</a:t>
+            </a:r>
+          </a:p>
+          <a:p>
+            <a:r>
+              <a:rPr lang="pt-BR" sz="1100" b="0" dirty="0">
+                <a:effectLst/>
+                <a:latin typeface="Consolas" panose="020B0609020204030204" pitchFamily="49" charset="0"/>
+              </a:rPr>
+              <a:t>            </a:t>
+            </a:r>
+            <a:r>
+              <a:rPr lang="pt-BR" sz="1100" b="0" dirty="0" err="1">
+                <a:effectLst/>
+                <a:latin typeface="Consolas" panose="020B0609020204030204" pitchFamily="49" charset="0"/>
+              </a:rPr>
+              <a:t>templateUrl</a:t>
+            </a:r>
+            <a:r>
+              <a:rPr lang="pt-BR" sz="1100" b="0" dirty="0">
+                <a:effectLst/>
+                <a:latin typeface="Consolas" panose="020B0609020204030204" pitchFamily="49" charset="0"/>
+              </a:rPr>
+              <a:t> : "</a:t>
+            </a:r>
+            <a:r>
+              <a:rPr lang="pt-BR" sz="1100" b="0" dirty="0" err="1">
+                <a:effectLst/>
+                <a:latin typeface="Consolas" panose="020B0609020204030204" pitchFamily="49" charset="0"/>
+              </a:rPr>
+              <a:t>view</a:t>
+            </a:r>
+            <a:r>
+              <a:rPr lang="pt-BR" sz="1100" b="0" dirty="0">
+                <a:effectLst/>
+                <a:latin typeface="Consolas" panose="020B0609020204030204" pitchFamily="49" charset="0"/>
+              </a:rPr>
+              <a:t>/login.html",</a:t>
+            </a:r>
+          </a:p>
+          <a:p>
+            <a:r>
+              <a:rPr lang="pt-BR" sz="1100" b="0" dirty="0">
+                <a:effectLst/>
+                <a:latin typeface="Consolas" panose="020B0609020204030204" pitchFamily="49" charset="0"/>
+              </a:rPr>
+              <a:t>            </a:t>
+            </a:r>
+            <a:r>
+              <a:rPr lang="pt-BR" sz="1100" b="0" dirty="0" err="1">
+                <a:effectLst/>
+                <a:latin typeface="Consolas" panose="020B0609020204030204" pitchFamily="49" charset="0"/>
+              </a:rPr>
+              <a:t>controller</a:t>
+            </a:r>
+            <a:r>
+              <a:rPr lang="pt-BR" sz="1100" b="0" dirty="0">
+                <a:effectLst/>
+                <a:latin typeface="Consolas" panose="020B0609020204030204" pitchFamily="49" charset="0"/>
+              </a:rPr>
+              <a:t>  : "</a:t>
+            </a:r>
+            <a:r>
+              <a:rPr lang="pt-BR" sz="1100" b="0" dirty="0" err="1">
+                <a:effectLst/>
+                <a:latin typeface="Consolas" panose="020B0609020204030204" pitchFamily="49" charset="0"/>
+              </a:rPr>
+              <a:t>loginCtrl</a:t>
+            </a:r>
+            <a:r>
+              <a:rPr lang="pt-BR" sz="1100" b="0" dirty="0">
+                <a:effectLst/>
+                <a:latin typeface="Consolas" panose="020B0609020204030204" pitchFamily="49" charset="0"/>
+              </a:rPr>
+              <a:t>"</a:t>
+            </a:r>
+          </a:p>
+          <a:p>
+            <a:r>
+              <a:rPr lang="pt-BR" sz="1100" b="0" dirty="0">
+                <a:effectLst/>
+                <a:latin typeface="Consolas" panose="020B0609020204030204" pitchFamily="49" charset="0"/>
+              </a:rPr>
+              <a:t>        })</a:t>
+            </a:r>
+          </a:p>
+          <a:p>
+            <a:r>
+              <a:rPr lang="pt-BR" sz="1100" b="0" dirty="0">
+                <a:effectLst/>
+                <a:latin typeface="Consolas" panose="020B0609020204030204" pitchFamily="49" charset="0"/>
+              </a:rPr>
+              <a:t>        .</a:t>
+            </a:r>
+            <a:r>
+              <a:rPr lang="pt-BR" sz="1100" b="0" dirty="0" err="1">
+                <a:effectLst/>
+                <a:latin typeface="Consolas" panose="020B0609020204030204" pitchFamily="49" charset="0"/>
+              </a:rPr>
+              <a:t>when</a:t>
+            </a:r>
+            <a:r>
+              <a:rPr lang="pt-BR" sz="1100" b="0" dirty="0">
+                <a:effectLst/>
+                <a:latin typeface="Consolas" panose="020B0609020204030204" pitchFamily="49" charset="0"/>
+              </a:rPr>
+              <a:t>("/sair", {</a:t>
+            </a:r>
+          </a:p>
+          <a:p>
+            <a:r>
+              <a:rPr lang="pt-BR" sz="1100" b="0" dirty="0">
+                <a:effectLst/>
+                <a:latin typeface="Consolas" panose="020B0609020204030204" pitchFamily="49" charset="0"/>
+              </a:rPr>
+              <a:t>            </a:t>
+            </a:r>
+            <a:r>
+              <a:rPr lang="pt-BR" sz="1100" b="0" dirty="0" err="1">
+                <a:effectLst/>
+                <a:latin typeface="Consolas" panose="020B0609020204030204" pitchFamily="49" charset="0"/>
+              </a:rPr>
+              <a:t>templateUrl</a:t>
+            </a:r>
+            <a:r>
+              <a:rPr lang="pt-BR" sz="1100" b="0" dirty="0">
+                <a:effectLst/>
+                <a:latin typeface="Consolas" panose="020B0609020204030204" pitchFamily="49" charset="0"/>
+              </a:rPr>
+              <a:t> : "</a:t>
+            </a:r>
+            <a:r>
+              <a:rPr lang="pt-BR" sz="1100" b="0" dirty="0" err="1">
+                <a:effectLst/>
+                <a:latin typeface="Consolas" panose="020B0609020204030204" pitchFamily="49" charset="0"/>
+              </a:rPr>
+              <a:t>view</a:t>
+            </a:r>
+            <a:r>
+              <a:rPr lang="pt-BR" sz="1100" b="0" dirty="0">
+                <a:effectLst/>
+                <a:latin typeface="Consolas" panose="020B0609020204030204" pitchFamily="49" charset="0"/>
+              </a:rPr>
+              <a:t>/login.html",</a:t>
+            </a:r>
+          </a:p>
+          <a:p>
+            <a:r>
+              <a:rPr lang="pt-BR" sz="1100" b="0" dirty="0">
+                <a:effectLst/>
+                <a:latin typeface="Consolas" panose="020B0609020204030204" pitchFamily="49" charset="0"/>
+              </a:rPr>
+              <a:t>            </a:t>
+            </a:r>
+            <a:r>
+              <a:rPr lang="pt-BR" sz="1100" b="0" dirty="0" err="1">
+                <a:effectLst/>
+                <a:latin typeface="Consolas" panose="020B0609020204030204" pitchFamily="49" charset="0"/>
+              </a:rPr>
+              <a:t>controller</a:t>
+            </a:r>
+            <a:r>
+              <a:rPr lang="pt-BR" sz="1100" b="0" dirty="0">
+                <a:effectLst/>
+                <a:latin typeface="Consolas" panose="020B0609020204030204" pitchFamily="49" charset="0"/>
+              </a:rPr>
+              <a:t>  : "</a:t>
+            </a:r>
+            <a:r>
+              <a:rPr lang="pt-BR" sz="1100" b="0" dirty="0" err="1">
+                <a:effectLst/>
+                <a:latin typeface="Consolas" panose="020B0609020204030204" pitchFamily="49" charset="0"/>
+              </a:rPr>
+              <a:t>loginCtrl</a:t>
+            </a:r>
+            <a:r>
+              <a:rPr lang="pt-BR" sz="1100" b="0" dirty="0">
+                <a:effectLst/>
+                <a:latin typeface="Consolas" panose="020B0609020204030204" pitchFamily="49" charset="0"/>
+              </a:rPr>
+              <a:t>"</a:t>
+            </a:r>
+          </a:p>
+          <a:p>
+            <a:r>
+              <a:rPr lang="pt-BR" sz="1100" b="0" dirty="0">
+                <a:effectLst/>
+                <a:latin typeface="Consolas" panose="020B0609020204030204" pitchFamily="49" charset="0"/>
+              </a:rPr>
+              <a:t>        })</a:t>
+            </a:r>
+          </a:p>
+          <a:p>
+            <a:r>
+              <a:rPr lang="pt-BR" sz="1100" b="0" dirty="0">
+                <a:effectLst/>
+                <a:latin typeface="Consolas" panose="020B0609020204030204" pitchFamily="49" charset="0"/>
+              </a:rPr>
+              <a:t>        .</a:t>
+            </a:r>
+            <a:r>
+              <a:rPr lang="pt-BR" sz="1100" b="0" dirty="0" err="1">
+                <a:effectLst/>
+                <a:latin typeface="Consolas" panose="020B0609020204030204" pitchFamily="49" charset="0"/>
+              </a:rPr>
+              <a:t>when</a:t>
+            </a:r>
+            <a:r>
+              <a:rPr lang="pt-BR" sz="1100" b="0" dirty="0">
+                <a:effectLst/>
+                <a:latin typeface="Consolas" panose="020B0609020204030204" pitchFamily="49" charset="0"/>
+              </a:rPr>
+              <a:t>("/cadastro", {</a:t>
+            </a:r>
+          </a:p>
+          <a:p>
+            <a:r>
+              <a:rPr lang="pt-BR" sz="1100" b="0" dirty="0">
+                <a:effectLst/>
+                <a:latin typeface="Consolas" panose="020B0609020204030204" pitchFamily="49" charset="0"/>
+              </a:rPr>
+              <a:t>            </a:t>
+            </a:r>
+            <a:r>
+              <a:rPr lang="pt-BR" sz="1100" b="0" dirty="0" err="1">
+                <a:effectLst/>
+                <a:latin typeface="Consolas" panose="020B0609020204030204" pitchFamily="49" charset="0"/>
+              </a:rPr>
+              <a:t>templateUrl</a:t>
+            </a:r>
+            <a:r>
+              <a:rPr lang="pt-BR" sz="1100" b="0" dirty="0">
+                <a:effectLst/>
+                <a:latin typeface="Consolas" panose="020B0609020204030204" pitchFamily="49" charset="0"/>
+              </a:rPr>
+              <a:t> : "</a:t>
+            </a:r>
+            <a:r>
+              <a:rPr lang="pt-BR" sz="1100" b="0" dirty="0" err="1">
+                <a:effectLst/>
+                <a:latin typeface="Consolas" panose="020B0609020204030204" pitchFamily="49" charset="0"/>
+              </a:rPr>
+              <a:t>view</a:t>
+            </a:r>
+            <a:r>
+              <a:rPr lang="pt-BR" sz="1100" b="0" dirty="0">
+                <a:effectLst/>
+                <a:latin typeface="Consolas" panose="020B0609020204030204" pitchFamily="49" charset="0"/>
+              </a:rPr>
+              <a:t>/cadastro.html",</a:t>
+            </a:r>
+          </a:p>
+          <a:p>
+            <a:r>
+              <a:rPr lang="pt-BR" sz="1100" b="0" dirty="0">
+                <a:effectLst/>
+                <a:latin typeface="Consolas" panose="020B0609020204030204" pitchFamily="49" charset="0"/>
+              </a:rPr>
+              <a:t>            </a:t>
+            </a:r>
+            <a:r>
+              <a:rPr lang="pt-BR" sz="1100" b="0" dirty="0" err="1">
+                <a:effectLst/>
+                <a:latin typeface="Consolas" panose="020B0609020204030204" pitchFamily="49" charset="0"/>
+              </a:rPr>
+              <a:t>controller</a:t>
+            </a:r>
+            <a:r>
+              <a:rPr lang="pt-BR" sz="1100" b="0" dirty="0">
+                <a:effectLst/>
+                <a:latin typeface="Consolas" panose="020B0609020204030204" pitchFamily="49" charset="0"/>
+              </a:rPr>
+              <a:t>  : "</a:t>
+            </a:r>
+            <a:r>
+              <a:rPr lang="pt-BR" sz="1100" b="0" dirty="0" err="1">
+                <a:effectLst/>
+                <a:latin typeface="Consolas" panose="020B0609020204030204" pitchFamily="49" charset="0"/>
+              </a:rPr>
+              <a:t>crudCtrl</a:t>
+            </a:r>
+            <a:r>
+              <a:rPr lang="pt-BR" sz="1100" b="0" dirty="0">
+                <a:effectLst/>
+                <a:latin typeface="Consolas" panose="020B0609020204030204" pitchFamily="49" charset="0"/>
+              </a:rPr>
+              <a:t>"</a:t>
+            </a:r>
+          </a:p>
+          <a:p>
+            <a:r>
+              <a:rPr lang="pt-BR" sz="1100" b="0" dirty="0">
+                <a:effectLst/>
+                <a:latin typeface="Consolas" panose="020B0609020204030204" pitchFamily="49" charset="0"/>
+              </a:rPr>
+              <a:t>        })</a:t>
+            </a:r>
+          </a:p>
+          <a:p>
+            <a:r>
+              <a:rPr lang="pt-BR" sz="1100" b="0" dirty="0">
+                <a:effectLst/>
+                <a:latin typeface="Consolas" panose="020B0609020204030204" pitchFamily="49" charset="0"/>
+              </a:rPr>
+              <a:t>        .</a:t>
+            </a:r>
+            <a:r>
+              <a:rPr lang="pt-BR" sz="1100" b="0" dirty="0" err="1">
+                <a:effectLst/>
+                <a:latin typeface="Consolas" panose="020B0609020204030204" pitchFamily="49" charset="0"/>
+              </a:rPr>
+              <a:t>when</a:t>
+            </a:r>
+            <a:r>
+              <a:rPr lang="pt-BR" sz="1100" b="0" dirty="0">
+                <a:effectLst/>
+                <a:latin typeface="Consolas" panose="020B0609020204030204" pitchFamily="49" charset="0"/>
+              </a:rPr>
+              <a:t>("/mostra", {</a:t>
+            </a:r>
+          </a:p>
+          <a:p>
+            <a:r>
+              <a:rPr lang="pt-BR" sz="1100" b="0" dirty="0">
+                <a:effectLst/>
+                <a:latin typeface="Consolas" panose="020B0609020204030204" pitchFamily="49" charset="0"/>
+              </a:rPr>
+              <a:t>            </a:t>
+            </a:r>
+            <a:r>
+              <a:rPr lang="pt-BR" sz="1100" b="0" dirty="0" err="1">
+                <a:effectLst/>
+                <a:latin typeface="Consolas" panose="020B0609020204030204" pitchFamily="49" charset="0"/>
+              </a:rPr>
+              <a:t>templateUrl</a:t>
+            </a:r>
+            <a:r>
+              <a:rPr lang="pt-BR" sz="1100" b="0" dirty="0">
+                <a:effectLst/>
+                <a:latin typeface="Consolas" panose="020B0609020204030204" pitchFamily="49" charset="0"/>
+              </a:rPr>
+              <a:t> : "</a:t>
+            </a:r>
+            <a:r>
+              <a:rPr lang="pt-BR" sz="1100" b="0" dirty="0" err="1">
+                <a:effectLst/>
+                <a:latin typeface="Consolas" panose="020B0609020204030204" pitchFamily="49" charset="0"/>
+              </a:rPr>
+              <a:t>view</a:t>
+            </a:r>
+            <a:r>
+              <a:rPr lang="pt-BR" sz="1100" b="0" dirty="0">
+                <a:effectLst/>
+                <a:latin typeface="Consolas" panose="020B0609020204030204" pitchFamily="49" charset="0"/>
+              </a:rPr>
+              <a:t>/mostra.html",</a:t>
+            </a:r>
+          </a:p>
+          <a:p>
+            <a:r>
+              <a:rPr lang="pt-BR" sz="1100" b="0" dirty="0">
+                <a:effectLst/>
+                <a:latin typeface="Consolas" panose="020B0609020204030204" pitchFamily="49" charset="0"/>
+              </a:rPr>
+              <a:t>            </a:t>
+            </a:r>
+            <a:r>
+              <a:rPr lang="pt-BR" sz="1100" b="0" dirty="0" err="1">
+                <a:effectLst/>
+                <a:latin typeface="Consolas" panose="020B0609020204030204" pitchFamily="49" charset="0"/>
+              </a:rPr>
+              <a:t>controller</a:t>
+            </a:r>
+            <a:r>
+              <a:rPr lang="pt-BR" sz="1100" b="0" dirty="0">
+                <a:effectLst/>
+                <a:latin typeface="Consolas" panose="020B0609020204030204" pitchFamily="49" charset="0"/>
+              </a:rPr>
+              <a:t>  : "</a:t>
+            </a:r>
+            <a:r>
+              <a:rPr lang="pt-BR" sz="1100" b="0" dirty="0" err="1">
+                <a:effectLst/>
+                <a:latin typeface="Consolas" panose="020B0609020204030204" pitchFamily="49" charset="0"/>
+              </a:rPr>
+              <a:t>crudCtrl</a:t>
+            </a:r>
+            <a:r>
+              <a:rPr lang="pt-BR" sz="1100" b="0" dirty="0">
+                <a:effectLst/>
+                <a:latin typeface="Consolas" panose="020B0609020204030204" pitchFamily="49" charset="0"/>
+              </a:rPr>
+              <a:t>"</a:t>
+            </a:r>
+          </a:p>
+          <a:p>
+            <a:r>
+              <a:rPr lang="pt-BR" sz="1100" b="0" dirty="0">
+                <a:effectLst/>
+                <a:latin typeface="Consolas" panose="020B0609020204030204" pitchFamily="49" charset="0"/>
+              </a:rPr>
+              <a:t>        });</a:t>
+            </a:r>
+          </a:p>
+          <a:p>
+            <a:r>
+              <a:rPr lang="pt-BR" sz="1100" b="0" dirty="0">
+                <a:effectLst/>
+                <a:latin typeface="Consolas" panose="020B0609020204030204" pitchFamily="49" charset="0"/>
+              </a:rPr>
+              <a:t>    });</a:t>
+            </a:r>
+          </a:p>
+          <a:p>
+            <a:br>
+              <a:rPr lang="pt-BR" sz="1100" b="0" dirty="0">
+                <a:effectLst/>
+                <a:latin typeface="Consolas" panose="020B0609020204030204" pitchFamily="49" charset="0"/>
+              </a:rPr>
+            </a:br>
+            <a:r>
+              <a:rPr lang="pt-BR" sz="1100" b="0" dirty="0">
+                <a:effectLst/>
+                <a:latin typeface="Consolas" panose="020B0609020204030204" pitchFamily="49" charset="0"/>
+              </a:rPr>
+              <a:t>    </a:t>
+            </a:r>
+            <a:r>
+              <a:rPr lang="pt-BR" sz="1100" b="0" dirty="0" err="1">
+                <a:effectLst/>
+                <a:latin typeface="Consolas" panose="020B0609020204030204" pitchFamily="49" charset="0"/>
+              </a:rPr>
+              <a:t>app.controller</a:t>
+            </a:r>
+            <a:r>
+              <a:rPr lang="pt-BR" sz="1100" b="0" dirty="0">
+                <a:effectLst/>
+                <a:latin typeface="Consolas" panose="020B0609020204030204" pitchFamily="49" charset="0"/>
+              </a:rPr>
+              <a:t>("</a:t>
+            </a:r>
+            <a:r>
+              <a:rPr lang="pt-BR" sz="1100" b="0" dirty="0" err="1">
+                <a:effectLst/>
+                <a:latin typeface="Consolas" panose="020B0609020204030204" pitchFamily="49" charset="0"/>
+              </a:rPr>
+              <a:t>crudCtrl</a:t>
+            </a:r>
+            <a:r>
+              <a:rPr lang="pt-BR" sz="1100" b="0" dirty="0">
+                <a:effectLst/>
+                <a:latin typeface="Consolas" panose="020B0609020204030204" pitchFamily="49" charset="0"/>
+              </a:rPr>
+              <a:t>", </a:t>
+            </a:r>
+            <a:r>
+              <a:rPr lang="pt-BR" sz="1100" b="0" dirty="0" err="1">
+                <a:effectLst/>
+                <a:latin typeface="Consolas" panose="020B0609020204030204" pitchFamily="49" charset="0"/>
+              </a:rPr>
+              <a:t>function</a:t>
+            </a:r>
+            <a:r>
+              <a:rPr lang="pt-BR" sz="1100" b="0" dirty="0">
+                <a:effectLst/>
+                <a:latin typeface="Consolas" panose="020B0609020204030204" pitchFamily="49" charset="0"/>
+              </a:rPr>
+              <a:t>($</a:t>
+            </a:r>
+            <a:r>
+              <a:rPr lang="pt-BR" sz="1100" b="0" dirty="0" err="1">
+                <a:effectLst/>
+                <a:latin typeface="Consolas" panose="020B0609020204030204" pitchFamily="49" charset="0"/>
+              </a:rPr>
+              <a:t>scope</a:t>
+            </a:r>
+            <a:r>
+              <a:rPr lang="pt-BR" sz="1100" b="0" dirty="0">
+                <a:effectLst/>
+                <a:latin typeface="Consolas" panose="020B0609020204030204" pitchFamily="49" charset="0"/>
+              </a:rPr>
+              <a:t>, $http){</a:t>
+            </a:r>
+          </a:p>
+          <a:p>
+            <a:r>
+              <a:rPr lang="pt-BR" sz="1100" b="0" dirty="0">
+                <a:effectLst/>
+                <a:latin typeface="Consolas" panose="020B0609020204030204" pitchFamily="49" charset="0"/>
+              </a:rPr>
+              <a:t>        // console.log("angular ok");</a:t>
+            </a:r>
+          </a:p>
+          <a:p>
+            <a:br>
+              <a:rPr lang="pt-BR" b="0" dirty="0">
+                <a:effectLst/>
+                <a:latin typeface="Consolas" panose="020B0609020204030204" pitchFamily="49" charset="0"/>
+              </a:rPr>
+            </a:br>
+            <a:endParaRPr lang="pt-BR" b="0" dirty="0">
+              <a:effectLst/>
+              <a:latin typeface="Consolas" panose="020B0609020204030204" pitchFamily="49" charset="0"/>
+            </a:endParaRPr>
+          </a:p>
+        </p:txBody>
+      </p:sp>
     </p:spTree>
     <p:extLst>
       <p:ext uri="{BB962C8B-B14F-4D97-AF65-F5344CB8AC3E}">
-        <p14:creationId xmlns:p14="http://schemas.microsoft.com/office/powerpoint/2010/main" val="2388323702"/>
+        <p14:creationId xmlns:p14="http://schemas.microsoft.com/office/powerpoint/2010/main" val="2232586103"/>
       </p:ext>
     </p:extLst>
   </p:cSld>
@@ -5531,92 +6478,10 @@
       </p:grpSpPr>
       <p:sp>
         <p:nvSpPr>
-          <p:cNvPr id="2" name="Título 1">
-            <a:extLst>
-              <a:ext uri="{FF2B5EF4-FFF2-40B4-BE49-F238E27FC236}">
-                <a16:creationId xmlns:a16="http://schemas.microsoft.com/office/drawing/2014/main" id="{3DA6D437-0714-A6E8-ADF9-A1ABB8ED2DCB}"/>
-              </a:ext>
-            </a:extLst>
-          </p:cNvPr>
-          <p:cNvSpPr>
-            <a:spLocks noGrp="1"/>
-          </p:cNvSpPr>
-          <p:nvPr>
-            <p:ph type="title"/>
-          </p:nvPr>
-        </p:nvSpPr>
-        <p:spPr/>
-        <p:txBody>
-          <a:bodyPr/>
-          <a:lstStyle/>
-          <a:p>
-            <a:r>
-              <a:rPr lang="pt-BR" dirty="0"/>
-              <a:t>Desafios e melhorias</a:t>
-            </a:r>
-          </a:p>
-        </p:txBody>
-      </p:sp>
-      <p:sp>
-        <p:nvSpPr>
-          <p:cNvPr id="3" name="Espaço Reservado para Conteúdo 2">
-            <a:extLst>
-              <a:ext uri="{FF2B5EF4-FFF2-40B4-BE49-F238E27FC236}">
-                <a16:creationId xmlns:a16="http://schemas.microsoft.com/office/drawing/2014/main" id="{06C72539-1A27-E44A-530B-478FB4B21018}"/>
-              </a:ext>
-            </a:extLst>
-          </p:cNvPr>
-          <p:cNvSpPr>
-            <a:spLocks noGrp="1"/>
-          </p:cNvSpPr>
-          <p:nvPr>
-            <p:ph idx="1"/>
-          </p:nvPr>
-        </p:nvSpPr>
-        <p:spPr/>
-        <p:txBody>
-          <a:bodyPr/>
-          <a:lstStyle/>
-          <a:p>
-            <a:endParaRPr lang="pt-BR" dirty="0"/>
-          </a:p>
-          <a:p>
-            <a:pPr lvl="1"/>
-            <a:r>
-              <a:rPr lang="pt-BR" sz="2400" dirty="0"/>
-              <a:t>O banco tem contrato com a Microsoft como fornecedora de tecnologia;</a:t>
-            </a:r>
-          </a:p>
-          <a:p>
-            <a:pPr lvl="1"/>
-            <a:r>
-              <a:rPr lang="pt-BR" sz="2400" dirty="0"/>
-              <a:t>As diferenças peculiares entre MySQL e MSSQL;</a:t>
-            </a:r>
-          </a:p>
-          <a:p>
-            <a:pPr lvl="1"/>
-            <a:r>
-              <a:rPr lang="pt-BR" sz="2400" dirty="0"/>
-              <a:t>A utilização de API prontas para captura e carga de dados;</a:t>
-            </a:r>
-          </a:p>
-          <a:p>
-            <a:pPr lvl="1"/>
-            <a:endParaRPr lang="pt-BR" sz="2400" dirty="0"/>
-          </a:p>
-          <a:p>
-            <a:pPr lvl="1"/>
-            <a:endParaRPr lang="pt-BR" dirty="0"/>
-          </a:p>
-        </p:txBody>
-      </p:sp>
-      <p:sp>
-        <p:nvSpPr>
           <p:cNvPr id="4" name="Espaço Reservado para Data 3">
             <a:extLst>
               <a:ext uri="{FF2B5EF4-FFF2-40B4-BE49-F238E27FC236}">
-                <a16:creationId xmlns:a16="http://schemas.microsoft.com/office/drawing/2014/main" id="{C89F2C0A-5184-DFCA-C6EF-933917272F0B}"/>
+                <a16:creationId xmlns:a16="http://schemas.microsoft.com/office/drawing/2014/main" id="{7706FC80-F18A-FEC3-D7CB-0A7FB47ED6C5}"/>
               </a:ext>
             </a:extLst>
           </p:cNvPr>
@@ -5641,10 +6506,40 @@
           </a:p>
         </p:txBody>
       </p:sp>
+      <p:pic>
+        <p:nvPicPr>
+          <p:cNvPr id="6" name="Imagem 5">
+            <a:extLst>
+              <a:ext uri="{FF2B5EF4-FFF2-40B4-BE49-F238E27FC236}">
+                <a16:creationId xmlns:a16="http://schemas.microsoft.com/office/drawing/2014/main" id="{A92F900E-5E2C-C276-930B-97DDB7ADC701}"/>
+              </a:ext>
+            </a:extLst>
+          </p:cNvPr>
+          <p:cNvPicPr>
+            <a:picLocks noChangeAspect="1"/>
+          </p:cNvPicPr>
+          <p:nvPr/>
+        </p:nvPicPr>
+        <p:blipFill>
+          <a:blip r:embed="rId2"/>
+          <a:stretch>
+            <a:fillRect/>
+          </a:stretch>
+        </p:blipFill>
+        <p:spPr>
+          <a:xfrm>
+            <a:off x="3434482" y="934813"/>
+            <a:ext cx="4848902" cy="3210373"/>
+          </a:xfrm>
+          <a:prstGeom prst="rect">
+            <a:avLst/>
+          </a:prstGeom>
+        </p:spPr>
+      </p:pic>
     </p:spTree>
     <p:extLst>
       <p:ext uri="{BB962C8B-B14F-4D97-AF65-F5344CB8AC3E}">
-        <p14:creationId xmlns:p14="http://schemas.microsoft.com/office/powerpoint/2010/main" val="1499646247"/>
+        <p14:creationId xmlns:p14="http://schemas.microsoft.com/office/powerpoint/2010/main" val="1637267279"/>
       </p:ext>
     </p:extLst>
   </p:cSld>
@@ -5673,84 +6568,10 @@
       </p:grpSpPr>
       <p:sp>
         <p:nvSpPr>
-          <p:cNvPr id="2" name="Título 1">
-            <a:extLst>
-              <a:ext uri="{FF2B5EF4-FFF2-40B4-BE49-F238E27FC236}">
-                <a16:creationId xmlns:a16="http://schemas.microsoft.com/office/drawing/2014/main" id="{3DA6D437-0714-A6E8-ADF9-A1ABB8ED2DCB}"/>
-              </a:ext>
-            </a:extLst>
-          </p:cNvPr>
-          <p:cNvSpPr>
-            <a:spLocks noGrp="1"/>
-          </p:cNvSpPr>
-          <p:nvPr>
-            <p:ph type="title"/>
-          </p:nvPr>
-        </p:nvSpPr>
-        <p:spPr/>
-        <p:txBody>
-          <a:bodyPr/>
-          <a:lstStyle/>
-          <a:p>
-            <a:r>
-              <a:rPr lang="pt-BR" dirty="0"/>
-              <a:t>Pontos positivos </a:t>
-            </a:r>
-          </a:p>
-        </p:txBody>
-      </p:sp>
-      <p:sp>
-        <p:nvSpPr>
-          <p:cNvPr id="3" name="Espaço Reservado para Conteúdo 2">
-            <a:extLst>
-              <a:ext uri="{FF2B5EF4-FFF2-40B4-BE49-F238E27FC236}">
-                <a16:creationId xmlns:a16="http://schemas.microsoft.com/office/drawing/2014/main" id="{06C72539-1A27-E44A-530B-478FB4B21018}"/>
-              </a:ext>
-            </a:extLst>
-          </p:cNvPr>
-          <p:cNvSpPr>
-            <a:spLocks noGrp="1"/>
-          </p:cNvSpPr>
-          <p:nvPr>
-            <p:ph idx="1"/>
-          </p:nvPr>
-        </p:nvSpPr>
-        <p:spPr/>
-        <p:txBody>
-          <a:bodyPr/>
-          <a:lstStyle/>
-          <a:p>
-            <a:endParaRPr lang="pt-BR" dirty="0"/>
-          </a:p>
-          <a:p>
-            <a:pPr lvl="1"/>
-            <a:r>
-              <a:rPr lang="pt-BR" sz="2400" dirty="0"/>
-              <a:t>As aulas de “não código”</a:t>
-            </a:r>
-          </a:p>
-          <a:p>
-            <a:pPr lvl="1"/>
-            <a:r>
-              <a:rPr lang="pt-BR" sz="2400" dirty="0"/>
-              <a:t>A oportunidade de conhecer novas tecnologias</a:t>
-            </a:r>
-          </a:p>
-          <a:p>
-            <a:pPr lvl="1"/>
-            <a:r>
-              <a:rPr lang="pt-BR" sz="2400" dirty="0"/>
-              <a:t>A forma informal de ensino</a:t>
-            </a:r>
-          </a:p>
-        </p:txBody>
-      </p:sp>
-      <p:sp>
-        <p:nvSpPr>
           <p:cNvPr id="4" name="Espaço Reservado para Data 3">
             <a:extLst>
               <a:ext uri="{FF2B5EF4-FFF2-40B4-BE49-F238E27FC236}">
-                <a16:creationId xmlns:a16="http://schemas.microsoft.com/office/drawing/2014/main" id="{C89F2C0A-5184-DFCA-C6EF-933917272F0B}"/>
+                <a16:creationId xmlns:a16="http://schemas.microsoft.com/office/drawing/2014/main" id="{7706FC80-F18A-FEC3-D7CB-0A7FB47ED6C5}"/>
               </a:ext>
             </a:extLst>
           </p:cNvPr>
@@ -5775,10 +6596,40 @@
           </a:p>
         </p:txBody>
       </p:sp>
+      <p:pic>
+        <p:nvPicPr>
+          <p:cNvPr id="6" name="Imagem 5">
+            <a:extLst>
+              <a:ext uri="{FF2B5EF4-FFF2-40B4-BE49-F238E27FC236}">
+                <a16:creationId xmlns:a16="http://schemas.microsoft.com/office/drawing/2014/main" id="{6D53B9B0-E456-4B3F-D434-F9B0B7628512}"/>
+              </a:ext>
+            </a:extLst>
+          </p:cNvPr>
+          <p:cNvPicPr>
+            <a:picLocks noChangeAspect="1"/>
+          </p:cNvPicPr>
+          <p:nvPr/>
+        </p:nvPicPr>
+        <p:blipFill>
+          <a:blip r:embed="rId2"/>
+          <a:stretch>
+            <a:fillRect/>
+          </a:stretch>
+        </p:blipFill>
+        <p:spPr>
+          <a:xfrm>
+            <a:off x="389467" y="683254"/>
+            <a:ext cx="11590867" cy="4340026"/>
+          </a:xfrm>
+          <a:prstGeom prst="rect">
+            <a:avLst/>
+          </a:prstGeom>
+        </p:spPr>
+      </p:pic>
     </p:spTree>
     <p:extLst>
       <p:ext uri="{BB962C8B-B14F-4D97-AF65-F5344CB8AC3E}">
-        <p14:creationId xmlns:p14="http://schemas.microsoft.com/office/powerpoint/2010/main" val="2939014663"/>
+        <p14:creationId xmlns:p14="http://schemas.microsoft.com/office/powerpoint/2010/main" val="786701657"/>
       </p:ext>
     </p:extLst>
   </p:cSld>
@@ -5807,96 +6658,10 @@
       </p:grpSpPr>
       <p:sp>
         <p:nvSpPr>
-          <p:cNvPr id="2" name="Título 1">
-            <a:extLst>
-              <a:ext uri="{FF2B5EF4-FFF2-40B4-BE49-F238E27FC236}">
-                <a16:creationId xmlns:a16="http://schemas.microsoft.com/office/drawing/2014/main" id="{3DA6D437-0714-A6E8-ADF9-A1ABB8ED2DCB}"/>
-              </a:ext>
-            </a:extLst>
-          </p:cNvPr>
-          <p:cNvSpPr>
-            <a:spLocks noGrp="1"/>
-          </p:cNvSpPr>
-          <p:nvPr>
-            <p:ph type="title"/>
-          </p:nvPr>
-        </p:nvSpPr>
-        <p:spPr/>
-        <p:txBody>
-          <a:bodyPr/>
-          <a:lstStyle/>
-          <a:p>
-            <a:r>
-              <a:rPr lang="pt-BR" dirty="0"/>
-              <a:t>Pontos negativos</a:t>
-            </a:r>
-          </a:p>
-        </p:txBody>
-      </p:sp>
-      <p:sp>
-        <p:nvSpPr>
-          <p:cNvPr id="3" name="Espaço Reservado para Conteúdo 2">
-            <a:extLst>
-              <a:ext uri="{FF2B5EF4-FFF2-40B4-BE49-F238E27FC236}">
-                <a16:creationId xmlns:a16="http://schemas.microsoft.com/office/drawing/2014/main" id="{06C72539-1A27-E44A-530B-478FB4B21018}"/>
-              </a:ext>
-            </a:extLst>
-          </p:cNvPr>
-          <p:cNvSpPr>
-            <a:spLocks noGrp="1"/>
-          </p:cNvSpPr>
-          <p:nvPr>
-            <p:ph idx="1"/>
-          </p:nvPr>
-        </p:nvSpPr>
-        <p:spPr/>
-        <p:txBody>
-          <a:bodyPr/>
-          <a:lstStyle/>
-          <a:p>
-            <a:endParaRPr lang="pt-BR" dirty="0"/>
-          </a:p>
-          <a:p>
-            <a:pPr lvl="1"/>
-            <a:r>
-              <a:rPr lang="pt-BR" sz="2400" dirty="0"/>
-              <a:t>O horário das aulas começando às 19h;</a:t>
-            </a:r>
-          </a:p>
-          <a:p>
-            <a:pPr lvl="1"/>
-            <a:r>
-              <a:rPr lang="pt-BR" sz="2400" dirty="0"/>
-              <a:t>A dinâmica da minha atividade no banco nas 2 primeiras semanas;</a:t>
-            </a:r>
-          </a:p>
-          <a:p>
-            <a:pPr lvl="1"/>
-            <a:r>
-              <a:rPr lang="pt-BR" sz="2400" dirty="0"/>
-              <a:t>O sistema de ensino </a:t>
-            </a:r>
-            <a:r>
-              <a:rPr lang="pt-BR" sz="2400"/>
-              <a:t>à distância;</a:t>
-            </a:r>
-            <a:endParaRPr lang="pt-BR" sz="2400" dirty="0"/>
-          </a:p>
-          <a:p>
-            <a:pPr lvl="1"/>
-            <a:r>
-              <a:rPr lang="pt-BR" sz="2400" dirty="0"/>
-              <a:t>O hábito de deixar tudo pra última hora.</a:t>
-            </a:r>
-          </a:p>
-        </p:txBody>
-      </p:sp>
-      <p:sp>
-        <p:nvSpPr>
           <p:cNvPr id="4" name="Espaço Reservado para Data 3">
             <a:extLst>
               <a:ext uri="{FF2B5EF4-FFF2-40B4-BE49-F238E27FC236}">
-                <a16:creationId xmlns:a16="http://schemas.microsoft.com/office/drawing/2014/main" id="{C89F2C0A-5184-DFCA-C6EF-933917272F0B}"/>
+                <a16:creationId xmlns:a16="http://schemas.microsoft.com/office/drawing/2014/main" id="{7706FC80-F18A-FEC3-D7CB-0A7FB47ED6C5}"/>
               </a:ext>
             </a:extLst>
           </p:cNvPr>
@@ -5921,10 +6686,776 @@
           </a:p>
         </p:txBody>
       </p:sp>
+      <p:sp>
+        <p:nvSpPr>
+          <p:cNvPr id="6" name="CaixaDeTexto 5">
+            <a:extLst>
+              <a:ext uri="{FF2B5EF4-FFF2-40B4-BE49-F238E27FC236}">
+                <a16:creationId xmlns:a16="http://schemas.microsoft.com/office/drawing/2014/main" id="{8938A359-0ABA-DBE0-60D4-FCC69BC56797}"/>
+              </a:ext>
+            </a:extLst>
+          </p:cNvPr>
+          <p:cNvSpPr txBox="1"/>
+          <p:nvPr/>
+        </p:nvSpPr>
+        <p:spPr>
+          <a:xfrm>
+            <a:off x="579728" y="348671"/>
+            <a:ext cx="11167532" cy="5632311"/>
+          </a:xfrm>
+          <a:prstGeom prst="rect">
+            <a:avLst/>
+          </a:prstGeom>
+          <a:noFill/>
+        </p:spPr>
+        <p:txBody>
+          <a:bodyPr wrap="square">
+            <a:spAutoFit/>
+          </a:bodyPr>
+          <a:lstStyle/>
+          <a:p>
+            <a:r>
+              <a:rPr lang="pt-BR" sz="1200" b="0" dirty="0">
+                <a:effectLst/>
+                <a:latin typeface="Consolas" panose="020B0609020204030204" pitchFamily="49" charset="0"/>
+              </a:rPr>
+              <a:t>&lt;?</a:t>
+            </a:r>
+            <a:r>
+              <a:rPr lang="pt-BR" sz="1200" b="0" dirty="0" err="1">
+                <a:effectLst/>
+                <a:latin typeface="Consolas" panose="020B0609020204030204" pitchFamily="49" charset="0"/>
+              </a:rPr>
+              <a:t>php</a:t>
+            </a:r>
+            <a:endParaRPr lang="pt-BR" sz="1200" b="0" dirty="0">
+              <a:effectLst/>
+              <a:latin typeface="Consolas" panose="020B0609020204030204" pitchFamily="49" charset="0"/>
+            </a:endParaRPr>
+          </a:p>
+          <a:p>
+            <a:r>
+              <a:rPr lang="pt-BR" sz="1200" b="0" dirty="0">
+                <a:effectLst/>
+                <a:latin typeface="Consolas" panose="020B0609020204030204" pitchFamily="49" charset="0"/>
+              </a:rPr>
+              <a:t>header("Access-</a:t>
+            </a:r>
+            <a:r>
+              <a:rPr lang="pt-BR" sz="1200" b="0" dirty="0" err="1">
+                <a:effectLst/>
+                <a:latin typeface="Consolas" panose="020B0609020204030204" pitchFamily="49" charset="0"/>
+              </a:rPr>
+              <a:t>Control</a:t>
+            </a:r>
+            <a:r>
+              <a:rPr lang="pt-BR" sz="1200" b="0" dirty="0">
+                <a:effectLst/>
+                <a:latin typeface="Consolas" panose="020B0609020204030204" pitchFamily="49" charset="0"/>
+              </a:rPr>
+              <a:t>-</a:t>
+            </a:r>
+            <a:r>
+              <a:rPr lang="pt-BR" sz="1200" b="0" dirty="0" err="1">
+                <a:effectLst/>
+                <a:latin typeface="Consolas" panose="020B0609020204030204" pitchFamily="49" charset="0"/>
+              </a:rPr>
+              <a:t>Allow-Origin</a:t>
+            </a:r>
+            <a:r>
+              <a:rPr lang="pt-BR" sz="1200" b="0" dirty="0">
+                <a:effectLst/>
+                <a:latin typeface="Consolas" panose="020B0609020204030204" pitchFamily="49" charset="0"/>
+              </a:rPr>
+              <a:t>: *");</a:t>
+            </a:r>
+          </a:p>
+          <a:p>
+            <a:r>
+              <a:rPr lang="pt-BR" sz="1200" b="0" dirty="0">
+                <a:effectLst/>
+                <a:latin typeface="Consolas" panose="020B0609020204030204" pitchFamily="49" charset="0"/>
+              </a:rPr>
+              <a:t>header("</a:t>
+            </a:r>
+            <a:r>
+              <a:rPr lang="pt-BR" sz="1200" b="0" dirty="0" err="1">
+                <a:effectLst/>
+                <a:latin typeface="Consolas" panose="020B0609020204030204" pitchFamily="49" charset="0"/>
+              </a:rPr>
+              <a:t>Content-Type</a:t>
+            </a:r>
+            <a:r>
+              <a:rPr lang="pt-BR" sz="1200" b="0" dirty="0">
+                <a:effectLst/>
+                <a:latin typeface="Consolas" panose="020B0609020204030204" pitchFamily="49" charset="0"/>
+              </a:rPr>
+              <a:t>: </a:t>
+            </a:r>
+            <a:r>
+              <a:rPr lang="pt-BR" sz="1200" b="0" dirty="0" err="1">
+                <a:effectLst/>
+                <a:latin typeface="Consolas" panose="020B0609020204030204" pitchFamily="49" charset="0"/>
+              </a:rPr>
+              <a:t>application</a:t>
+            </a:r>
+            <a:r>
+              <a:rPr lang="pt-BR" sz="1200" b="0" dirty="0">
+                <a:effectLst/>
+                <a:latin typeface="Consolas" panose="020B0609020204030204" pitchFamily="49" charset="0"/>
+              </a:rPr>
+              <a:t>/</a:t>
+            </a:r>
+            <a:r>
+              <a:rPr lang="pt-BR" sz="1200" b="0" dirty="0" err="1">
+                <a:effectLst/>
+                <a:latin typeface="Consolas" panose="020B0609020204030204" pitchFamily="49" charset="0"/>
+              </a:rPr>
+              <a:t>json</a:t>
+            </a:r>
+            <a:r>
+              <a:rPr lang="pt-BR" sz="1200" b="0" dirty="0">
+                <a:effectLst/>
+                <a:latin typeface="Consolas" panose="020B0609020204030204" pitchFamily="49" charset="0"/>
+              </a:rPr>
+              <a:t>; </a:t>
+            </a:r>
+            <a:r>
+              <a:rPr lang="pt-BR" sz="1200" b="0" dirty="0" err="1">
+                <a:effectLst/>
+                <a:latin typeface="Consolas" panose="020B0609020204030204" pitchFamily="49" charset="0"/>
+              </a:rPr>
+              <a:t>charset</a:t>
+            </a:r>
+            <a:r>
+              <a:rPr lang="pt-BR" sz="1200" b="0" dirty="0">
+                <a:effectLst/>
+                <a:latin typeface="Consolas" panose="020B0609020204030204" pitchFamily="49" charset="0"/>
+              </a:rPr>
+              <a:t>=UTF-8");</a:t>
+            </a:r>
+          </a:p>
+          <a:p>
+            <a:r>
+              <a:rPr lang="pt-BR" sz="1200" b="0" dirty="0">
+                <a:effectLst/>
+                <a:latin typeface="Consolas" panose="020B0609020204030204" pitchFamily="49" charset="0"/>
+              </a:rPr>
+              <a:t>  </a:t>
+            </a:r>
+          </a:p>
+          <a:p>
+            <a:r>
+              <a:rPr lang="pt-BR" sz="1200" b="0" dirty="0">
+                <a:effectLst/>
+                <a:latin typeface="Consolas" panose="020B0609020204030204" pitchFamily="49" charset="0"/>
+              </a:rPr>
+              <a:t>include('</a:t>
+            </a:r>
+            <a:r>
+              <a:rPr lang="pt-BR" sz="1200" b="0" dirty="0" err="1">
+                <a:effectLst/>
+                <a:latin typeface="Consolas" panose="020B0609020204030204" pitchFamily="49" charset="0"/>
+              </a:rPr>
+              <a:t>conn.php</a:t>
+            </a:r>
+            <a:r>
+              <a:rPr lang="pt-BR" sz="1200" b="0" dirty="0">
+                <a:effectLst/>
+                <a:latin typeface="Consolas" panose="020B0609020204030204" pitchFamily="49" charset="0"/>
+              </a:rPr>
+              <a:t>');</a:t>
+            </a:r>
+          </a:p>
+          <a:p>
+            <a:r>
+              <a:rPr lang="pt-BR" sz="1200" b="0" dirty="0">
+                <a:effectLst/>
+                <a:latin typeface="Consolas" panose="020B0609020204030204" pitchFamily="49" charset="0"/>
+              </a:rPr>
+              <a:t>  </a:t>
+            </a:r>
+          </a:p>
+          <a:p>
+            <a:r>
+              <a:rPr lang="pt-BR" sz="1200" b="0" dirty="0">
+                <a:effectLst/>
+                <a:latin typeface="Consolas" panose="020B0609020204030204" pitchFamily="49" charset="0"/>
+              </a:rPr>
+              <a:t>$</a:t>
+            </a:r>
+            <a:r>
+              <a:rPr lang="pt-BR" sz="1200" b="0" dirty="0" err="1">
+                <a:effectLst/>
+                <a:latin typeface="Consolas" panose="020B0609020204030204" pitchFamily="49" charset="0"/>
+              </a:rPr>
+              <a:t>result</a:t>
+            </a:r>
+            <a:r>
+              <a:rPr lang="pt-BR" sz="1200" b="0" dirty="0">
+                <a:effectLst/>
+                <a:latin typeface="Consolas" panose="020B0609020204030204" pitchFamily="49" charset="0"/>
+              </a:rPr>
+              <a:t> = $</a:t>
+            </a:r>
+            <a:r>
+              <a:rPr lang="pt-BR" sz="1200" b="0" dirty="0" err="1">
+                <a:effectLst/>
+                <a:latin typeface="Consolas" panose="020B0609020204030204" pitchFamily="49" charset="0"/>
+              </a:rPr>
+              <a:t>conn</a:t>
+            </a:r>
+            <a:r>
+              <a:rPr lang="pt-BR" sz="1200" b="0" dirty="0">
+                <a:effectLst/>
+                <a:latin typeface="Consolas" panose="020B0609020204030204" pitchFamily="49" charset="0"/>
+              </a:rPr>
+              <a:t>-&gt;query("SELECT * FROM </a:t>
+            </a:r>
+            <a:r>
+              <a:rPr lang="pt-BR" sz="1200" b="0" dirty="0" err="1">
+                <a:effectLst/>
+                <a:latin typeface="Consolas" panose="020B0609020204030204" pitchFamily="49" charset="0"/>
+              </a:rPr>
+              <a:t>tb_lista_ans</a:t>
+            </a:r>
+            <a:r>
+              <a:rPr lang="pt-BR" sz="1200" b="0" dirty="0">
+                <a:effectLst/>
+                <a:latin typeface="Consolas" panose="020B0609020204030204" pitchFamily="49" charset="0"/>
+              </a:rPr>
+              <a:t>");</a:t>
+            </a:r>
+          </a:p>
+          <a:p>
+            <a:r>
+              <a:rPr lang="pt-BR" sz="1200" b="0" dirty="0">
+                <a:effectLst/>
+                <a:latin typeface="Consolas" panose="020B0609020204030204" pitchFamily="49" charset="0"/>
+              </a:rPr>
+              <a:t>  </a:t>
+            </a:r>
+          </a:p>
+          <a:p>
+            <a:r>
+              <a:rPr lang="pt-BR" sz="1200" b="0" dirty="0">
+                <a:effectLst/>
+                <a:latin typeface="Consolas" panose="020B0609020204030204" pitchFamily="49" charset="0"/>
+              </a:rPr>
+              <a:t>$output = "[";</a:t>
+            </a:r>
+          </a:p>
+          <a:p>
+            <a:br>
+              <a:rPr lang="pt-BR" sz="1200" b="0" dirty="0">
+                <a:effectLst/>
+                <a:latin typeface="Consolas" panose="020B0609020204030204" pitchFamily="49" charset="0"/>
+              </a:rPr>
+            </a:br>
+            <a:r>
+              <a:rPr lang="pt-BR" sz="1200" b="0" dirty="0" err="1">
+                <a:effectLst/>
+                <a:latin typeface="Consolas" panose="020B0609020204030204" pitchFamily="49" charset="0"/>
+              </a:rPr>
+              <a:t>while</a:t>
+            </a:r>
+            <a:r>
+              <a:rPr lang="pt-BR" sz="1200" b="0" dirty="0">
+                <a:effectLst/>
+                <a:latin typeface="Consolas" panose="020B0609020204030204" pitchFamily="49" charset="0"/>
+              </a:rPr>
+              <a:t> ($</a:t>
+            </a:r>
+            <a:r>
+              <a:rPr lang="pt-BR" sz="1200" b="0" dirty="0" err="1">
+                <a:effectLst/>
+                <a:latin typeface="Consolas" panose="020B0609020204030204" pitchFamily="49" charset="0"/>
+              </a:rPr>
+              <a:t>rs</a:t>
+            </a:r>
+            <a:r>
+              <a:rPr lang="pt-BR" sz="1200" b="0" dirty="0">
+                <a:effectLst/>
+                <a:latin typeface="Consolas" panose="020B0609020204030204" pitchFamily="49" charset="0"/>
+              </a:rPr>
+              <a:t> = $</a:t>
+            </a:r>
+            <a:r>
+              <a:rPr lang="pt-BR" sz="1200" b="0" dirty="0" err="1">
+                <a:effectLst/>
+                <a:latin typeface="Consolas" panose="020B0609020204030204" pitchFamily="49" charset="0"/>
+              </a:rPr>
+              <a:t>result</a:t>
+            </a:r>
+            <a:r>
+              <a:rPr lang="pt-BR" sz="1200" b="0" dirty="0">
+                <a:effectLst/>
+                <a:latin typeface="Consolas" panose="020B0609020204030204" pitchFamily="49" charset="0"/>
+              </a:rPr>
+              <a:t>-&gt;</a:t>
+            </a:r>
+            <a:r>
+              <a:rPr lang="pt-BR" sz="1200" b="0" dirty="0" err="1">
+                <a:effectLst/>
+                <a:latin typeface="Consolas" panose="020B0609020204030204" pitchFamily="49" charset="0"/>
+              </a:rPr>
+              <a:t>fetch_array</a:t>
+            </a:r>
+            <a:r>
+              <a:rPr lang="pt-BR" sz="1200" b="0" dirty="0">
+                <a:effectLst/>
+                <a:latin typeface="Consolas" panose="020B0609020204030204" pitchFamily="49" charset="0"/>
+              </a:rPr>
+              <a:t>(MYSQLI_ASSOC)) {</a:t>
+            </a:r>
+          </a:p>
+          <a:p>
+            <a:r>
+              <a:rPr lang="pt-BR" sz="1200" b="0" dirty="0">
+                <a:effectLst/>
+                <a:latin typeface="Consolas" panose="020B0609020204030204" pitchFamily="49" charset="0"/>
+              </a:rPr>
+              <a:t>    </a:t>
+            </a:r>
+            <a:r>
+              <a:rPr lang="pt-BR" sz="1200" b="0" dirty="0" err="1">
+                <a:effectLst/>
+                <a:latin typeface="Consolas" panose="020B0609020204030204" pitchFamily="49" charset="0"/>
+              </a:rPr>
+              <a:t>if</a:t>
+            </a:r>
+            <a:r>
+              <a:rPr lang="pt-BR" sz="1200" b="0" dirty="0">
+                <a:effectLst/>
+                <a:latin typeface="Consolas" panose="020B0609020204030204" pitchFamily="49" charset="0"/>
+              </a:rPr>
+              <a:t> ($output != "[") {</a:t>
+            </a:r>
+          </a:p>
+          <a:p>
+            <a:r>
+              <a:rPr lang="pt-BR" sz="1200" b="0" dirty="0">
+                <a:effectLst/>
+                <a:latin typeface="Consolas" panose="020B0609020204030204" pitchFamily="49" charset="0"/>
+              </a:rPr>
+              <a:t>        $output .= ",";</a:t>
+            </a:r>
+          </a:p>
+          <a:p>
+            <a:r>
+              <a:rPr lang="pt-BR" sz="1200" b="0" dirty="0">
+                <a:effectLst/>
+                <a:latin typeface="Consolas" panose="020B0609020204030204" pitchFamily="49" charset="0"/>
+              </a:rPr>
+              <a:t>    }</a:t>
+            </a:r>
+          </a:p>
+          <a:p>
+            <a:r>
+              <a:rPr lang="pt-BR" sz="1200" b="0" dirty="0">
+                <a:effectLst/>
+                <a:latin typeface="Consolas" panose="020B0609020204030204" pitchFamily="49" charset="0"/>
+              </a:rPr>
+              <a:t>    </a:t>
+            </a:r>
+          </a:p>
+          <a:p>
+            <a:r>
+              <a:rPr lang="pt-BR" sz="1200" b="0" dirty="0">
+                <a:effectLst/>
+                <a:latin typeface="Consolas" panose="020B0609020204030204" pitchFamily="49" charset="0"/>
+              </a:rPr>
+              <a:t>    $output .= '{"</a:t>
+            </a:r>
+            <a:r>
+              <a:rPr lang="pt-BR" sz="1200" b="0" dirty="0" err="1">
+                <a:effectLst/>
+                <a:latin typeface="Consolas" panose="020B0609020204030204" pitchFamily="49" charset="0"/>
+              </a:rPr>
+              <a:t>id_ans</a:t>
+            </a:r>
+            <a:r>
+              <a:rPr lang="pt-BR" sz="1200" b="0" dirty="0">
+                <a:effectLst/>
+                <a:latin typeface="Consolas" panose="020B0609020204030204" pitchFamily="49" charset="0"/>
+              </a:rPr>
+              <a:t>":"' . $</a:t>
+            </a:r>
+            <a:r>
+              <a:rPr lang="pt-BR" sz="1200" b="0" dirty="0" err="1">
+                <a:effectLst/>
+                <a:latin typeface="Consolas" panose="020B0609020204030204" pitchFamily="49" charset="0"/>
+              </a:rPr>
+              <a:t>rs</a:t>
+            </a:r>
+            <a:r>
+              <a:rPr lang="pt-BR" sz="1200" b="0" dirty="0">
+                <a:effectLst/>
+                <a:latin typeface="Consolas" panose="020B0609020204030204" pitchFamily="49" charset="0"/>
+              </a:rPr>
+              <a:t>["</a:t>
+            </a:r>
+            <a:r>
+              <a:rPr lang="pt-BR" sz="1200" b="0" dirty="0" err="1">
+                <a:effectLst/>
+                <a:latin typeface="Consolas" panose="020B0609020204030204" pitchFamily="49" charset="0"/>
+              </a:rPr>
+              <a:t>id_ans</a:t>
+            </a:r>
+            <a:r>
+              <a:rPr lang="pt-BR" sz="1200" b="0" dirty="0">
+                <a:effectLst/>
+                <a:latin typeface="Consolas" panose="020B0609020204030204" pitchFamily="49" charset="0"/>
+              </a:rPr>
+              <a:t>"] . '",';</a:t>
+            </a:r>
+          </a:p>
+          <a:p>
+            <a:r>
+              <a:rPr lang="pt-BR" sz="1200" b="0" dirty="0">
+                <a:effectLst/>
+                <a:latin typeface="Consolas" panose="020B0609020204030204" pitchFamily="49" charset="0"/>
+              </a:rPr>
+              <a:t>    $output .= ' "departamento":"' . $</a:t>
+            </a:r>
+            <a:r>
+              <a:rPr lang="pt-BR" sz="1200" b="0" dirty="0" err="1">
+                <a:effectLst/>
+                <a:latin typeface="Consolas" panose="020B0609020204030204" pitchFamily="49" charset="0"/>
+              </a:rPr>
+              <a:t>rs</a:t>
+            </a:r>
+            <a:r>
+              <a:rPr lang="pt-BR" sz="1200" b="0" dirty="0">
+                <a:effectLst/>
+                <a:latin typeface="Consolas" panose="020B0609020204030204" pitchFamily="49" charset="0"/>
+              </a:rPr>
+              <a:t>["departamento"] . '",';</a:t>
+            </a:r>
+          </a:p>
+          <a:p>
+            <a:r>
+              <a:rPr lang="pt-BR" sz="1200" b="0" dirty="0">
+                <a:effectLst/>
+                <a:latin typeface="Consolas" panose="020B0609020204030204" pitchFamily="49" charset="0"/>
+              </a:rPr>
+              <a:t>    $output .= ' "</a:t>
+            </a:r>
+            <a:r>
+              <a:rPr lang="pt-BR" sz="1200" b="0" dirty="0" err="1">
+                <a:effectLst/>
+                <a:latin typeface="Consolas" panose="020B0609020204030204" pitchFamily="49" charset="0"/>
+              </a:rPr>
+              <a:t>responsavel</a:t>
+            </a:r>
+            <a:r>
+              <a:rPr lang="pt-BR" sz="1200" b="0" dirty="0">
+                <a:effectLst/>
+                <a:latin typeface="Consolas" panose="020B0609020204030204" pitchFamily="49" charset="0"/>
+              </a:rPr>
+              <a:t>":"' . $</a:t>
+            </a:r>
+            <a:r>
+              <a:rPr lang="pt-BR" sz="1200" b="0" dirty="0" err="1">
+                <a:effectLst/>
+                <a:latin typeface="Consolas" panose="020B0609020204030204" pitchFamily="49" charset="0"/>
+              </a:rPr>
+              <a:t>rs</a:t>
+            </a:r>
+            <a:r>
+              <a:rPr lang="pt-BR" sz="1200" b="0" dirty="0">
+                <a:effectLst/>
+                <a:latin typeface="Consolas" panose="020B0609020204030204" pitchFamily="49" charset="0"/>
+              </a:rPr>
+              <a:t>["</a:t>
+            </a:r>
+            <a:r>
+              <a:rPr lang="pt-BR" sz="1200" b="0" dirty="0" err="1">
+                <a:effectLst/>
+                <a:latin typeface="Consolas" panose="020B0609020204030204" pitchFamily="49" charset="0"/>
+              </a:rPr>
+              <a:t>responsavel</a:t>
+            </a:r>
+            <a:r>
+              <a:rPr lang="pt-BR" sz="1200" b="0" dirty="0">
+                <a:effectLst/>
+                <a:latin typeface="Consolas" panose="020B0609020204030204" pitchFamily="49" charset="0"/>
+              </a:rPr>
+              <a:t>"] . '",';</a:t>
+            </a:r>
+          </a:p>
+          <a:p>
+            <a:r>
+              <a:rPr lang="pt-BR" sz="1200" b="0" dirty="0">
+                <a:effectLst/>
+                <a:latin typeface="Consolas" panose="020B0609020204030204" pitchFamily="49" charset="0"/>
+              </a:rPr>
+              <a:t>    $output .= ' "consulta":"' . $</a:t>
+            </a:r>
+            <a:r>
+              <a:rPr lang="pt-BR" sz="1200" b="0" dirty="0" err="1">
+                <a:effectLst/>
+                <a:latin typeface="Consolas" panose="020B0609020204030204" pitchFamily="49" charset="0"/>
+              </a:rPr>
+              <a:t>rs</a:t>
+            </a:r>
+            <a:r>
+              <a:rPr lang="pt-BR" sz="1200" b="0" dirty="0">
+                <a:effectLst/>
+                <a:latin typeface="Consolas" panose="020B0609020204030204" pitchFamily="49" charset="0"/>
+              </a:rPr>
+              <a:t>["consulta"] . '",';</a:t>
+            </a:r>
+          </a:p>
+          <a:p>
+            <a:r>
+              <a:rPr lang="pt-BR" sz="1200" b="0" dirty="0">
+                <a:effectLst/>
+                <a:latin typeface="Consolas" panose="020B0609020204030204" pitchFamily="49" charset="0"/>
+              </a:rPr>
+              <a:t>    $output .= ' "</a:t>
+            </a:r>
+            <a:r>
+              <a:rPr lang="pt-BR" sz="1200" b="0" dirty="0" err="1">
+                <a:effectLst/>
+                <a:latin typeface="Consolas" panose="020B0609020204030204" pitchFamily="49" charset="0"/>
+              </a:rPr>
+              <a:t>historico</a:t>
+            </a:r>
+            <a:r>
+              <a:rPr lang="pt-BR" sz="1200" b="0" dirty="0">
+                <a:effectLst/>
+                <a:latin typeface="Consolas" panose="020B0609020204030204" pitchFamily="49" charset="0"/>
+              </a:rPr>
+              <a:t>":"' . $</a:t>
+            </a:r>
+            <a:r>
+              <a:rPr lang="pt-BR" sz="1200" b="0" dirty="0" err="1">
+                <a:effectLst/>
+                <a:latin typeface="Consolas" panose="020B0609020204030204" pitchFamily="49" charset="0"/>
+              </a:rPr>
+              <a:t>rs</a:t>
+            </a:r>
+            <a:r>
+              <a:rPr lang="pt-BR" sz="1200" b="0" dirty="0">
+                <a:effectLst/>
+                <a:latin typeface="Consolas" panose="020B0609020204030204" pitchFamily="49" charset="0"/>
+              </a:rPr>
+              <a:t>["validade"] . '",';</a:t>
+            </a:r>
+          </a:p>
+          <a:p>
+            <a:r>
+              <a:rPr lang="pt-BR" sz="1200" b="0" dirty="0">
+                <a:effectLst/>
+                <a:latin typeface="Consolas" panose="020B0609020204030204" pitchFamily="49" charset="0"/>
+              </a:rPr>
+              <a:t>    $output .= ' "</a:t>
+            </a:r>
+            <a:r>
+              <a:rPr lang="pt-BR" sz="1200" b="0" dirty="0" err="1">
+                <a:effectLst/>
+                <a:latin typeface="Consolas" panose="020B0609020204030204" pitchFamily="49" charset="0"/>
+              </a:rPr>
+              <a:t>dt_assinatura</a:t>
+            </a:r>
+            <a:r>
+              <a:rPr lang="pt-BR" sz="1200" b="0" dirty="0">
+                <a:effectLst/>
+                <a:latin typeface="Consolas" panose="020B0609020204030204" pitchFamily="49" charset="0"/>
+              </a:rPr>
+              <a:t>":"' . $</a:t>
+            </a:r>
+            <a:r>
+              <a:rPr lang="pt-BR" sz="1200" b="0" dirty="0" err="1">
+                <a:effectLst/>
+                <a:latin typeface="Consolas" panose="020B0609020204030204" pitchFamily="49" charset="0"/>
+              </a:rPr>
+              <a:t>rs</a:t>
+            </a:r>
+            <a:r>
+              <a:rPr lang="pt-BR" sz="1200" b="0" dirty="0">
+                <a:effectLst/>
+                <a:latin typeface="Consolas" panose="020B0609020204030204" pitchFamily="49" charset="0"/>
+              </a:rPr>
+              <a:t>["</a:t>
+            </a:r>
+            <a:r>
+              <a:rPr lang="pt-BR" sz="1200" b="0" dirty="0" err="1">
+                <a:effectLst/>
+                <a:latin typeface="Consolas" panose="020B0609020204030204" pitchFamily="49" charset="0"/>
+              </a:rPr>
+              <a:t>dt_assinatura</a:t>
+            </a:r>
+            <a:r>
+              <a:rPr lang="pt-BR" sz="1200" b="0" dirty="0">
+                <a:effectLst/>
+                <a:latin typeface="Consolas" panose="020B0609020204030204" pitchFamily="49" charset="0"/>
+              </a:rPr>
+              <a:t>"] . '",';</a:t>
+            </a:r>
+          </a:p>
+          <a:p>
+            <a:r>
+              <a:rPr lang="pt-BR" sz="1200" b="0" dirty="0">
+                <a:effectLst/>
+                <a:latin typeface="Consolas" panose="020B0609020204030204" pitchFamily="49" charset="0"/>
+              </a:rPr>
+              <a:t>    $output .= ' "email":"' . $</a:t>
+            </a:r>
+            <a:r>
+              <a:rPr lang="pt-BR" sz="1200" b="0" dirty="0" err="1">
+                <a:effectLst/>
+                <a:latin typeface="Consolas" panose="020B0609020204030204" pitchFamily="49" charset="0"/>
+              </a:rPr>
+              <a:t>rs</a:t>
+            </a:r>
+            <a:r>
+              <a:rPr lang="pt-BR" sz="1200" b="0" dirty="0">
+                <a:effectLst/>
+                <a:latin typeface="Consolas" panose="020B0609020204030204" pitchFamily="49" charset="0"/>
+              </a:rPr>
+              <a:t>["email"] . '",';</a:t>
+            </a:r>
+          </a:p>
+          <a:p>
+            <a:r>
+              <a:rPr lang="pt-BR" sz="1200" b="0" dirty="0">
+                <a:effectLst/>
+                <a:latin typeface="Consolas" panose="020B0609020204030204" pitchFamily="49" charset="0"/>
+              </a:rPr>
+              <a:t>    $output .= ' "</a:t>
+            </a:r>
+            <a:r>
+              <a:rPr lang="pt-BR" sz="1200" b="0" dirty="0" err="1">
+                <a:effectLst/>
+                <a:latin typeface="Consolas" panose="020B0609020204030204" pitchFamily="49" charset="0"/>
+              </a:rPr>
+              <a:t>situacao</a:t>
+            </a:r>
+            <a:r>
+              <a:rPr lang="pt-BR" sz="1200" b="0" dirty="0">
+                <a:effectLst/>
+                <a:latin typeface="Consolas" panose="020B0609020204030204" pitchFamily="49" charset="0"/>
+              </a:rPr>
+              <a:t>":"' . $</a:t>
+            </a:r>
+            <a:r>
+              <a:rPr lang="pt-BR" sz="1200" b="0" dirty="0" err="1">
+                <a:effectLst/>
+                <a:latin typeface="Consolas" panose="020B0609020204030204" pitchFamily="49" charset="0"/>
+              </a:rPr>
+              <a:t>rs</a:t>
+            </a:r>
+            <a:r>
+              <a:rPr lang="pt-BR" sz="1200" b="0" dirty="0">
+                <a:effectLst/>
+                <a:latin typeface="Consolas" panose="020B0609020204030204" pitchFamily="49" charset="0"/>
+              </a:rPr>
+              <a:t>["</a:t>
+            </a:r>
+            <a:r>
+              <a:rPr lang="pt-BR" sz="1200" b="0" dirty="0" err="1">
+                <a:effectLst/>
+                <a:latin typeface="Consolas" panose="020B0609020204030204" pitchFamily="49" charset="0"/>
+              </a:rPr>
+              <a:t>situacao</a:t>
+            </a:r>
+            <a:r>
+              <a:rPr lang="pt-BR" sz="1200" b="0" dirty="0">
+                <a:effectLst/>
+                <a:latin typeface="Consolas" panose="020B0609020204030204" pitchFamily="49" charset="0"/>
+              </a:rPr>
+              <a:t>"] . '"}';</a:t>
+            </a:r>
+          </a:p>
+          <a:p>
+            <a:r>
+              <a:rPr lang="pt-BR" sz="1200" b="0" dirty="0">
+                <a:effectLst/>
+                <a:latin typeface="Consolas" panose="020B0609020204030204" pitchFamily="49" charset="0"/>
+              </a:rPr>
+              <a:t>}</a:t>
+            </a:r>
+          </a:p>
+          <a:p>
+            <a:br>
+              <a:rPr lang="pt-BR" sz="1200" b="0" dirty="0">
+                <a:effectLst/>
+                <a:latin typeface="Consolas" panose="020B0609020204030204" pitchFamily="49" charset="0"/>
+              </a:rPr>
+            </a:br>
+            <a:r>
+              <a:rPr lang="pt-BR" sz="1200" b="0" dirty="0">
+                <a:effectLst/>
+                <a:latin typeface="Consolas" panose="020B0609020204030204" pitchFamily="49" charset="0"/>
+              </a:rPr>
+              <a:t>$output .= "]";</a:t>
+            </a:r>
+          </a:p>
+          <a:p>
+            <a:r>
+              <a:rPr lang="pt-BR" sz="1200" b="0" dirty="0">
+                <a:effectLst/>
+                <a:latin typeface="Consolas" panose="020B0609020204030204" pitchFamily="49" charset="0"/>
+              </a:rPr>
+              <a:t>$</a:t>
+            </a:r>
+            <a:r>
+              <a:rPr lang="pt-BR" sz="1200" b="0" dirty="0" err="1">
+                <a:effectLst/>
+                <a:latin typeface="Consolas" panose="020B0609020204030204" pitchFamily="49" charset="0"/>
+              </a:rPr>
+              <a:t>conn</a:t>
+            </a:r>
+            <a:r>
+              <a:rPr lang="pt-BR" sz="1200" b="0" dirty="0">
+                <a:effectLst/>
+                <a:latin typeface="Consolas" panose="020B0609020204030204" pitchFamily="49" charset="0"/>
+              </a:rPr>
+              <a:t>-&gt;close();</a:t>
+            </a:r>
+          </a:p>
+          <a:p>
+            <a:r>
+              <a:rPr lang="pt-BR" sz="1200" b="0" dirty="0">
+                <a:effectLst/>
+                <a:latin typeface="Consolas" panose="020B0609020204030204" pitchFamily="49" charset="0"/>
+              </a:rPr>
+              <a:t>  </a:t>
+            </a:r>
+          </a:p>
+          <a:p>
+            <a:r>
+              <a:rPr lang="pt-BR" sz="1200" b="0" dirty="0" err="1">
+                <a:effectLst/>
+                <a:latin typeface="Consolas" panose="020B0609020204030204" pitchFamily="49" charset="0"/>
+              </a:rPr>
+              <a:t>echo</a:t>
+            </a:r>
+            <a:r>
+              <a:rPr lang="pt-BR" sz="1200" b="0" dirty="0">
+                <a:effectLst/>
+                <a:latin typeface="Consolas" panose="020B0609020204030204" pitchFamily="49" charset="0"/>
+              </a:rPr>
+              <a:t> $output;</a:t>
+            </a:r>
+          </a:p>
+          <a:p>
+            <a:r>
+              <a:rPr lang="pt-BR" sz="1200" b="0" dirty="0">
+                <a:effectLst/>
+                <a:latin typeface="Consolas" panose="020B0609020204030204" pitchFamily="49" charset="0"/>
+              </a:rPr>
+              <a:t>?&gt;</a:t>
+            </a:r>
+          </a:p>
+        </p:txBody>
+      </p:sp>
     </p:spTree>
     <p:extLst>
       <p:ext uri="{BB962C8B-B14F-4D97-AF65-F5344CB8AC3E}">
-        <p14:creationId xmlns:p14="http://schemas.microsoft.com/office/powerpoint/2010/main" val="1056001947"/>
+        <p14:creationId xmlns:p14="http://schemas.microsoft.com/office/powerpoint/2010/main" val="1796689062"/>
       </p:ext>
     </p:extLst>
   </p:cSld>
